--- a/example/MyDeck.pptx
+++ b/example/MyDeck.pptx
@@ -1,20 +1,115 @@
 
 <file path=ppt/presentation.xml><?xml version="1.0" encoding="utf-8"?>
-<p:presentation xmlns:a="http://schemas.openxmlformats.org/drawingml/2006/main" xmlns:p="http://schemas.openxmlformats.org/presentationml/2006/main" xmlns:r="http://schemas.openxmlformats.org/officeDocument/2006/relationships">
+<p:presentation xmlns:a="http://schemas.openxmlformats.org/drawingml/2006/main" xmlns:r="http://schemas.openxmlformats.org/officeDocument/2006/relationships" xmlns:p="http://schemas.openxmlformats.org/presentationml/2006/main">
   <p:sldMasterIdLst>
-    <p:sldMasterId id="2147483648" r:id="rId2"/>
+    <p:sldMasterId id="2147483648" r:id="rId1"/>
   </p:sldMasterIdLst>
   <p:sldIdLst>
-    <p:sldId id="256" r:id="rId3"/>
-    <p:sldId id="257" r:id="rId4"/>
+    <p:sldId id="256" r:id="rId2"/>
+    <p:sldId id="257" r:id="rId3"/>
   </p:sldIdLst>
   <p:sldSz cx="10080625" cy="7559675"/>
   <p:notesSz cx="7772400" cy="10058400"/>
+  <p:defaultTextStyle>
+    <a:defPPr>
+      <a:defRPr lang="en-US"/>
+    </a:defPPr>
+    <a:lvl1pPr marL="0" algn="l" defTabSz="914400" rtl="0" eaLnBrk="1" latinLnBrk="0" hangingPunct="1">
+      <a:defRPr sz="1800" kern="1200">
+        <a:solidFill>
+          <a:schemeClr val="tx1"/>
+        </a:solidFill>
+        <a:latin typeface="+mn-lt"/>
+        <a:ea typeface="+mn-ea"/>
+        <a:cs typeface="+mn-cs"/>
+      </a:defRPr>
+    </a:lvl1pPr>
+    <a:lvl2pPr marL="457200" algn="l" defTabSz="914400" rtl="0" eaLnBrk="1" latinLnBrk="0" hangingPunct="1">
+      <a:defRPr sz="1800" kern="1200">
+        <a:solidFill>
+          <a:schemeClr val="tx1"/>
+        </a:solidFill>
+        <a:latin typeface="+mn-lt"/>
+        <a:ea typeface="+mn-ea"/>
+        <a:cs typeface="+mn-cs"/>
+      </a:defRPr>
+    </a:lvl2pPr>
+    <a:lvl3pPr marL="914400" algn="l" defTabSz="914400" rtl="0" eaLnBrk="1" latinLnBrk="0" hangingPunct="1">
+      <a:defRPr sz="1800" kern="1200">
+        <a:solidFill>
+          <a:schemeClr val="tx1"/>
+        </a:solidFill>
+        <a:latin typeface="+mn-lt"/>
+        <a:ea typeface="+mn-ea"/>
+        <a:cs typeface="+mn-cs"/>
+      </a:defRPr>
+    </a:lvl3pPr>
+    <a:lvl4pPr marL="1371600" algn="l" defTabSz="914400" rtl="0" eaLnBrk="1" latinLnBrk="0" hangingPunct="1">
+      <a:defRPr sz="1800" kern="1200">
+        <a:solidFill>
+          <a:schemeClr val="tx1"/>
+        </a:solidFill>
+        <a:latin typeface="+mn-lt"/>
+        <a:ea typeface="+mn-ea"/>
+        <a:cs typeface="+mn-cs"/>
+      </a:defRPr>
+    </a:lvl4pPr>
+    <a:lvl5pPr marL="1828800" algn="l" defTabSz="914400" rtl="0" eaLnBrk="1" latinLnBrk="0" hangingPunct="1">
+      <a:defRPr sz="1800" kern="1200">
+        <a:solidFill>
+          <a:schemeClr val="tx1"/>
+        </a:solidFill>
+        <a:latin typeface="+mn-lt"/>
+        <a:ea typeface="+mn-ea"/>
+        <a:cs typeface="+mn-cs"/>
+      </a:defRPr>
+    </a:lvl5pPr>
+    <a:lvl6pPr marL="2286000" algn="l" defTabSz="914400" rtl="0" eaLnBrk="1" latinLnBrk="0" hangingPunct="1">
+      <a:defRPr sz="1800" kern="1200">
+        <a:solidFill>
+          <a:schemeClr val="tx1"/>
+        </a:solidFill>
+        <a:latin typeface="+mn-lt"/>
+        <a:ea typeface="+mn-ea"/>
+        <a:cs typeface="+mn-cs"/>
+      </a:defRPr>
+    </a:lvl6pPr>
+    <a:lvl7pPr marL="2743200" algn="l" defTabSz="914400" rtl="0" eaLnBrk="1" latinLnBrk="0" hangingPunct="1">
+      <a:defRPr sz="1800" kern="1200">
+        <a:solidFill>
+          <a:schemeClr val="tx1"/>
+        </a:solidFill>
+        <a:latin typeface="+mn-lt"/>
+        <a:ea typeface="+mn-ea"/>
+        <a:cs typeface="+mn-cs"/>
+      </a:defRPr>
+    </a:lvl7pPr>
+    <a:lvl8pPr marL="3200400" algn="l" defTabSz="914400" rtl="0" eaLnBrk="1" latinLnBrk="0" hangingPunct="1">
+      <a:defRPr sz="1800" kern="1200">
+        <a:solidFill>
+          <a:schemeClr val="tx1"/>
+        </a:solidFill>
+        <a:latin typeface="+mn-lt"/>
+        <a:ea typeface="+mn-ea"/>
+        <a:cs typeface="+mn-cs"/>
+      </a:defRPr>
+    </a:lvl8pPr>
+    <a:lvl9pPr marL="3657600" algn="l" defTabSz="914400" rtl="0" eaLnBrk="1" latinLnBrk="0" hangingPunct="1">
+      <a:defRPr sz="1800" kern="1200">
+        <a:solidFill>
+          <a:schemeClr val="tx1"/>
+        </a:solidFill>
+        <a:latin typeface="+mn-lt"/>
+        <a:ea typeface="+mn-ea"/>
+        <a:cs typeface="+mn-cs"/>
+      </a:defRPr>
+    </a:lvl9pPr>
+  </p:defaultTextStyle>
 </p:presentation>
 </file>
 
 <file path=ppt/slideLayouts/slideLayout1.xml><?xml version="1.0" encoding="utf-8"?>
-<p:sldLayout xmlns:a="http://schemas.openxmlformats.org/drawingml/2006/main" xmlns:p="http://schemas.openxmlformats.org/presentationml/2006/main" xmlns:r="http://schemas.openxmlformats.org/officeDocument/2006/relationships" type="blank" preserve="1">
+<p:sldLayout xmlns:a="http://schemas.openxmlformats.org/drawingml/2006/main" xmlns:r="http://schemas.openxmlformats.org/officeDocument/2006/relationships" xmlns:p="http://schemas.openxmlformats.org/presentationml/2006/main" type="blank" preserve="1">
   <p:cSld name="Blank Slide">
     <p:spTree>
       <p:nvGrpSpPr>
@@ -32,11 +127,14 @@
       </p:grpSpPr>
     </p:spTree>
   </p:cSld>
+  <p:clrMapOvr>
+    <a:masterClrMapping/>
+  </p:clrMapOvr>
 </p:sldLayout>
 </file>
 
 <file path=ppt/slideLayouts/slideLayout10.xml><?xml version="1.0" encoding="utf-8"?>
-<p:sldLayout xmlns:a="http://schemas.openxmlformats.org/drawingml/2006/main" xmlns:p="http://schemas.openxmlformats.org/presentationml/2006/main" xmlns:r="http://schemas.openxmlformats.org/officeDocument/2006/relationships" type="objOverTx" preserve="1">
+<p:sldLayout xmlns:a="http://schemas.openxmlformats.org/drawingml/2006/main" xmlns:r="http://schemas.openxmlformats.org/officeDocument/2006/relationships" xmlns:p="http://schemas.openxmlformats.org/presentationml/2006/main" type="objOverTx" preserve="1">
   <p:cSld name="Title, Content over Content">
     <p:spTree>
       <p:nvGrpSpPr>
@@ -72,7 +170,8 @@
           </a:prstGeom>
         </p:spPr>
         <p:txBody>
-          <a:bodyPr lIns="0" rIns="0" tIns="0" bIns="0" anchor="ctr"/>
+          <a:bodyPr lIns="0" tIns="0" rIns="0" bIns="0" anchor="ctr"/>
+          <a:lstStyle/>
           <a:p>
             <a:pPr algn="ctr"/>
             <a:endParaRPr/>
@@ -99,7 +198,8 @@
           </a:prstGeom>
         </p:spPr>
         <p:txBody>
-          <a:bodyPr lIns="0" rIns="0" tIns="0" bIns="0"/>
+          <a:bodyPr lIns="0" tIns="0" rIns="0" bIns="0"/>
+          <a:lstStyle/>
           <a:p>
             <a:endParaRPr/>
           </a:p>
@@ -125,7 +225,8 @@
           </a:prstGeom>
         </p:spPr>
         <p:txBody>
-          <a:bodyPr lIns="0" rIns="0" tIns="0" bIns="0"/>
+          <a:bodyPr lIns="0" tIns="0" rIns="0" bIns="0"/>
+          <a:lstStyle/>
           <a:p>
             <a:endParaRPr/>
           </a:p>
@@ -133,11 +234,14 @@
       </p:sp>
     </p:spTree>
   </p:cSld>
+  <p:clrMapOvr>
+    <a:masterClrMapping/>
+  </p:clrMapOvr>
 </p:sldLayout>
 </file>
 
 <file path=ppt/slideLayouts/slideLayout11.xml><?xml version="1.0" encoding="utf-8"?>
-<p:sldLayout xmlns:a="http://schemas.openxmlformats.org/drawingml/2006/main" xmlns:p="http://schemas.openxmlformats.org/presentationml/2006/main" xmlns:r="http://schemas.openxmlformats.org/officeDocument/2006/relationships" type="fourObj" preserve="1">
+<p:sldLayout xmlns:a="http://schemas.openxmlformats.org/drawingml/2006/main" xmlns:r="http://schemas.openxmlformats.org/officeDocument/2006/relationships" xmlns:p="http://schemas.openxmlformats.org/presentationml/2006/main" type="fourObj" preserve="1">
   <p:cSld name="Title, 4 Content">
     <p:spTree>
       <p:nvGrpSpPr>
@@ -173,7 +277,8 @@
           </a:prstGeom>
         </p:spPr>
         <p:txBody>
-          <a:bodyPr lIns="0" rIns="0" tIns="0" bIns="0" anchor="ctr"/>
+          <a:bodyPr lIns="0" tIns="0" rIns="0" bIns="0" anchor="ctr"/>
+          <a:lstStyle/>
           <a:p>
             <a:pPr algn="ctr"/>
             <a:endParaRPr/>
@@ -200,7 +305,8 @@
           </a:prstGeom>
         </p:spPr>
         <p:txBody>
-          <a:bodyPr lIns="0" rIns="0" tIns="0" bIns="0"/>
+          <a:bodyPr lIns="0" tIns="0" rIns="0" bIns="0"/>
+          <a:lstStyle/>
           <a:p>
             <a:endParaRPr/>
           </a:p>
@@ -226,7 +332,8 @@
           </a:prstGeom>
         </p:spPr>
         <p:txBody>
-          <a:bodyPr lIns="0" rIns="0" tIns="0" bIns="0"/>
+          <a:bodyPr lIns="0" tIns="0" rIns="0" bIns="0"/>
+          <a:lstStyle/>
           <a:p>
             <a:endParaRPr/>
           </a:p>
@@ -252,7 +359,8 @@
           </a:prstGeom>
         </p:spPr>
         <p:txBody>
-          <a:bodyPr lIns="0" rIns="0" tIns="0" bIns="0"/>
+          <a:bodyPr lIns="0" tIns="0" rIns="0" bIns="0"/>
+          <a:lstStyle/>
           <a:p>
             <a:endParaRPr/>
           </a:p>
@@ -278,7 +386,8 @@
           </a:prstGeom>
         </p:spPr>
         <p:txBody>
-          <a:bodyPr lIns="0" rIns="0" tIns="0" bIns="0"/>
+          <a:bodyPr lIns="0" tIns="0" rIns="0" bIns="0"/>
+          <a:lstStyle/>
           <a:p>
             <a:endParaRPr/>
           </a:p>
@@ -286,11 +395,14 @@
       </p:sp>
     </p:spTree>
   </p:cSld>
+  <p:clrMapOvr>
+    <a:masterClrMapping/>
+  </p:clrMapOvr>
 </p:sldLayout>
 </file>
 
 <file path=ppt/slideLayouts/slideLayout12.xml><?xml version="1.0" encoding="utf-8"?>
-<p:sldLayout xmlns:a="http://schemas.openxmlformats.org/drawingml/2006/main" xmlns:p="http://schemas.openxmlformats.org/presentationml/2006/main" xmlns:r="http://schemas.openxmlformats.org/officeDocument/2006/relationships" type="blank" preserve="1">
+<p:sldLayout xmlns:a="http://schemas.openxmlformats.org/drawingml/2006/main" xmlns:r="http://schemas.openxmlformats.org/officeDocument/2006/relationships" xmlns:p="http://schemas.openxmlformats.org/presentationml/2006/main" type="blank" preserve="1">
   <p:cSld name="Title, 6 Content">
     <p:spTree>
       <p:nvGrpSpPr>
@@ -326,7 +438,8 @@
           </a:prstGeom>
         </p:spPr>
         <p:txBody>
-          <a:bodyPr lIns="0" rIns="0" tIns="0" bIns="0" anchor="ctr"/>
+          <a:bodyPr lIns="0" tIns="0" rIns="0" bIns="0" anchor="ctr"/>
+          <a:lstStyle/>
           <a:p>
             <a:pPr algn="ctr"/>
             <a:endParaRPr/>
@@ -353,7 +466,8 @@
           </a:prstGeom>
         </p:spPr>
         <p:txBody>
-          <a:bodyPr lIns="0" rIns="0" tIns="0" bIns="0"/>
+          <a:bodyPr lIns="0" tIns="0" rIns="0" bIns="0"/>
+          <a:lstStyle/>
           <a:p>
             <a:endParaRPr/>
           </a:p>
@@ -379,7 +493,8 @@
           </a:prstGeom>
         </p:spPr>
         <p:txBody>
-          <a:bodyPr lIns="0" rIns="0" tIns="0" bIns="0"/>
+          <a:bodyPr lIns="0" tIns="0" rIns="0" bIns="0"/>
+          <a:lstStyle/>
           <a:p>
             <a:endParaRPr/>
           </a:p>
@@ -387,7 +502,7 @@
       </p:sp>
       <p:pic>
         <p:nvPicPr>
-          <p:cNvPr id="37" name="" descr=""/>
+          <p:cNvPr id="37" name="Picture 36"/>
           <p:cNvPicPr/>
           <p:nvPr/>
         </p:nvPicPr>
@@ -410,12 +525,12 @@
       </p:pic>
       <p:pic>
         <p:nvPicPr>
-          <p:cNvPr id="38" name="" descr=""/>
+          <p:cNvPr id="38" name="Picture 37"/>
           <p:cNvPicPr/>
           <p:nvPr/>
         </p:nvPicPr>
         <p:blipFill>
-          <a:blip r:embed="rId3"/>
+          <a:blip r:embed="rId2"/>
           <a:stretch/>
         </p:blipFill>
         <p:spPr>
@@ -433,11 +548,14 @@
       </p:pic>
     </p:spTree>
   </p:cSld>
+  <p:clrMapOvr>
+    <a:masterClrMapping/>
+  </p:clrMapOvr>
 </p:sldLayout>
 </file>
 
 <file path=ppt/slideLayouts/slideLayout2.xml><?xml version="1.0" encoding="utf-8"?>
-<p:sldLayout xmlns:a="http://schemas.openxmlformats.org/drawingml/2006/main" xmlns:p="http://schemas.openxmlformats.org/presentationml/2006/main" xmlns:r="http://schemas.openxmlformats.org/officeDocument/2006/relationships" type="tx" preserve="1">
+<p:sldLayout xmlns:a="http://schemas.openxmlformats.org/drawingml/2006/main" xmlns:r="http://schemas.openxmlformats.org/officeDocument/2006/relationships" xmlns:p="http://schemas.openxmlformats.org/presentationml/2006/main" type="tx" preserve="1">
   <p:cSld name="Title Slide">
     <p:spTree>
       <p:nvGrpSpPr>
@@ -473,10 +591,11 @@
           </a:prstGeom>
         </p:spPr>
         <p:txBody>
-          <a:bodyPr lIns="0" rIns="0" tIns="0" bIns="0" anchor="ctr"/>
+          <a:bodyPr lIns="0" tIns="0" rIns="0" bIns="0" anchor="ctr"/>
+          <a:lstStyle/>
           <a:p>
             <a:pPr algn="ctr"/>
-            <a:endParaRPr/>
+            <a:endParaRPr dirty="0"/>
           </a:p>
         </p:txBody>
       </p:sp>
@@ -500,7 +619,8 @@
           </a:prstGeom>
         </p:spPr>
         <p:txBody>
-          <a:bodyPr lIns="0" rIns="0" tIns="0" bIns="0" anchor="ctr"/>
+          <a:bodyPr lIns="0" tIns="0" rIns="0" bIns="0" anchor="ctr"/>
+          <a:lstStyle/>
           <a:p>
             <a:pPr algn="ctr"/>
             <a:endParaRPr/>
@@ -509,11 +629,14 @@
       </p:sp>
     </p:spTree>
   </p:cSld>
+  <p:clrMapOvr>
+    <a:masterClrMapping/>
+  </p:clrMapOvr>
 </p:sldLayout>
 </file>
 
 <file path=ppt/slideLayouts/slideLayout3.xml><?xml version="1.0" encoding="utf-8"?>
-<p:sldLayout xmlns:a="http://schemas.openxmlformats.org/drawingml/2006/main" xmlns:p="http://schemas.openxmlformats.org/presentationml/2006/main" xmlns:r="http://schemas.openxmlformats.org/officeDocument/2006/relationships" type="obj" preserve="1">
+<p:sldLayout xmlns:a="http://schemas.openxmlformats.org/drawingml/2006/main" xmlns:r="http://schemas.openxmlformats.org/officeDocument/2006/relationships" xmlns:p="http://schemas.openxmlformats.org/presentationml/2006/main" type="obj" preserve="1">
   <p:cSld name="Title, Content">
     <p:spTree>
       <p:nvGrpSpPr>
@@ -549,7 +672,8 @@
           </a:prstGeom>
         </p:spPr>
         <p:txBody>
-          <a:bodyPr lIns="0" rIns="0" tIns="0" bIns="0" anchor="ctr"/>
+          <a:bodyPr lIns="0" tIns="0" rIns="0" bIns="0" anchor="ctr"/>
+          <a:lstStyle/>
           <a:p>
             <a:pPr algn="ctr"/>
             <a:endParaRPr/>
@@ -576,7 +700,8 @@
           </a:prstGeom>
         </p:spPr>
         <p:txBody>
-          <a:bodyPr lIns="0" rIns="0" tIns="0" bIns="0"/>
+          <a:bodyPr lIns="0" tIns="0" rIns="0" bIns="0"/>
+          <a:lstStyle/>
           <a:p>
             <a:endParaRPr/>
           </a:p>
@@ -584,11 +709,14 @@
       </p:sp>
     </p:spTree>
   </p:cSld>
+  <p:clrMapOvr>
+    <a:masterClrMapping/>
+  </p:clrMapOvr>
 </p:sldLayout>
 </file>
 
 <file path=ppt/slideLayouts/slideLayout4.xml><?xml version="1.0" encoding="utf-8"?>
-<p:sldLayout xmlns:a="http://schemas.openxmlformats.org/drawingml/2006/main" xmlns:p="http://schemas.openxmlformats.org/presentationml/2006/main" xmlns:r="http://schemas.openxmlformats.org/officeDocument/2006/relationships" type="twoObj" preserve="1">
+<p:sldLayout xmlns:a="http://schemas.openxmlformats.org/drawingml/2006/main" xmlns:r="http://schemas.openxmlformats.org/officeDocument/2006/relationships" xmlns:p="http://schemas.openxmlformats.org/presentationml/2006/main" type="twoObj" preserve="1">
   <p:cSld name="Title, 2 Content">
     <p:spTree>
       <p:nvGrpSpPr>
@@ -624,7 +752,8 @@
           </a:prstGeom>
         </p:spPr>
         <p:txBody>
-          <a:bodyPr lIns="0" rIns="0" tIns="0" bIns="0" anchor="ctr"/>
+          <a:bodyPr lIns="0" tIns="0" rIns="0" bIns="0" anchor="ctr"/>
+          <a:lstStyle/>
           <a:p>
             <a:pPr algn="ctr"/>
             <a:endParaRPr/>
@@ -651,7 +780,8 @@
           </a:prstGeom>
         </p:spPr>
         <p:txBody>
-          <a:bodyPr lIns="0" rIns="0" tIns="0" bIns="0"/>
+          <a:bodyPr lIns="0" tIns="0" rIns="0" bIns="0"/>
+          <a:lstStyle/>
           <a:p>
             <a:endParaRPr/>
           </a:p>
@@ -677,7 +807,8 @@
           </a:prstGeom>
         </p:spPr>
         <p:txBody>
-          <a:bodyPr lIns="0" rIns="0" tIns="0" bIns="0"/>
+          <a:bodyPr lIns="0" tIns="0" rIns="0" bIns="0"/>
+          <a:lstStyle/>
           <a:p>
             <a:endParaRPr/>
           </a:p>
@@ -685,11 +816,14 @@
       </p:sp>
     </p:spTree>
   </p:cSld>
+  <p:clrMapOvr>
+    <a:masterClrMapping/>
+  </p:clrMapOvr>
 </p:sldLayout>
 </file>
 
 <file path=ppt/slideLayouts/slideLayout5.xml><?xml version="1.0" encoding="utf-8"?>
-<p:sldLayout xmlns:a="http://schemas.openxmlformats.org/drawingml/2006/main" xmlns:p="http://schemas.openxmlformats.org/presentationml/2006/main" xmlns:r="http://schemas.openxmlformats.org/officeDocument/2006/relationships" type="titleOnly" preserve="1">
+<p:sldLayout xmlns:a="http://schemas.openxmlformats.org/drawingml/2006/main" xmlns:r="http://schemas.openxmlformats.org/officeDocument/2006/relationships" xmlns:p="http://schemas.openxmlformats.org/presentationml/2006/main" type="titleOnly" preserve="1">
   <p:cSld name="Title Only">
     <p:spTree>
       <p:nvGrpSpPr>
@@ -725,7 +859,8 @@
           </a:prstGeom>
         </p:spPr>
         <p:txBody>
-          <a:bodyPr lIns="0" rIns="0" tIns="0" bIns="0" anchor="ctr"/>
+          <a:bodyPr lIns="0" tIns="0" rIns="0" bIns="0" anchor="ctr"/>
+          <a:lstStyle/>
           <a:p>
             <a:pPr algn="ctr"/>
             <a:endParaRPr/>
@@ -734,11 +869,14 @@
       </p:sp>
     </p:spTree>
   </p:cSld>
+  <p:clrMapOvr>
+    <a:masterClrMapping/>
+  </p:clrMapOvr>
 </p:sldLayout>
 </file>
 
 <file path=ppt/slideLayouts/slideLayout6.xml><?xml version="1.0" encoding="utf-8"?>
-<p:sldLayout xmlns:a="http://schemas.openxmlformats.org/drawingml/2006/main" xmlns:p="http://schemas.openxmlformats.org/presentationml/2006/main" xmlns:r="http://schemas.openxmlformats.org/officeDocument/2006/relationships" type="objOnly" preserve="1">
+<p:sldLayout xmlns:a="http://schemas.openxmlformats.org/drawingml/2006/main" xmlns:r="http://schemas.openxmlformats.org/officeDocument/2006/relationships" xmlns:p="http://schemas.openxmlformats.org/presentationml/2006/main" type="objOnly" preserve="1">
   <p:cSld name="Centered Text">
     <p:spTree>
       <p:nvGrpSpPr>
@@ -774,7 +912,8 @@
           </a:prstGeom>
         </p:spPr>
         <p:txBody>
-          <a:bodyPr lIns="0" rIns="0" tIns="0" bIns="0" anchor="ctr"/>
+          <a:bodyPr lIns="0" tIns="0" rIns="0" bIns="0" anchor="ctr"/>
+          <a:lstStyle/>
           <a:p>
             <a:pPr algn="ctr"/>
             <a:endParaRPr/>
@@ -783,11 +922,14 @@
       </p:sp>
     </p:spTree>
   </p:cSld>
+  <p:clrMapOvr>
+    <a:masterClrMapping/>
+  </p:clrMapOvr>
 </p:sldLayout>
 </file>
 
 <file path=ppt/slideLayouts/slideLayout7.xml><?xml version="1.0" encoding="utf-8"?>
-<p:sldLayout xmlns:a="http://schemas.openxmlformats.org/drawingml/2006/main" xmlns:p="http://schemas.openxmlformats.org/presentationml/2006/main" xmlns:r="http://schemas.openxmlformats.org/officeDocument/2006/relationships" type="twoObjAndObj" preserve="1">
+<p:sldLayout xmlns:a="http://schemas.openxmlformats.org/drawingml/2006/main" xmlns:r="http://schemas.openxmlformats.org/officeDocument/2006/relationships" xmlns:p="http://schemas.openxmlformats.org/presentationml/2006/main" type="twoObjAndObj" preserve="1">
   <p:cSld name="Title, 2 Content and Content">
     <p:spTree>
       <p:nvGrpSpPr>
@@ -823,7 +965,8 @@
           </a:prstGeom>
         </p:spPr>
         <p:txBody>
-          <a:bodyPr lIns="0" rIns="0" tIns="0" bIns="0" anchor="ctr"/>
+          <a:bodyPr lIns="0" tIns="0" rIns="0" bIns="0" anchor="ctr"/>
+          <a:lstStyle/>
           <a:p>
             <a:pPr algn="ctr"/>
             <a:endParaRPr/>
@@ -850,7 +993,8 @@
           </a:prstGeom>
         </p:spPr>
         <p:txBody>
-          <a:bodyPr lIns="0" rIns="0" tIns="0" bIns="0"/>
+          <a:bodyPr lIns="0" tIns="0" rIns="0" bIns="0"/>
+          <a:lstStyle/>
           <a:p>
             <a:endParaRPr/>
           </a:p>
@@ -876,7 +1020,8 @@
           </a:prstGeom>
         </p:spPr>
         <p:txBody>
-          <a:bodyPr lIns="0" rIns="0" tIns="0" bIns="0"/>
+          <a:bodyPr lIns="0" tIns="0" rIns="0" bIns="0"/>
+          <a:lstStyle/>
           <a:p>
             <a:endParaRPr/>
           </a:p>
@@ -902,7 +1047,8 @@
           </a:prstGeom>
         </p:spPr>
         <p:txBody>
-          <a:bodyPr lIns="0" rIns="0" tIns="0" bIns="0"/>
+          <a:bodyPr lIns="0" tIns="0" rIns="0" bIns="0"/>
+          <a:lstStyle/>
           <a:p>
             <a:endParaRPr/>
           </a:p>
@@ -910,11 +1056,14 @@
       </p:sp>
     </p:spTree>
   </p:cSld>
+  <p:clrMapOvr>
+    <a:masterClrMapping/>
+  </p:clrMapOvr>
 </p:sldLayout>
 </file>
 
 <file path=ppt/slideLayouts/slideLayout8.xml><?xml version="1.0" encoding="utf-8"?>
-<p:sldLayout xmlns:a="http://schemas.openxmlformats.org/drawingml/2006/main" xmlns:p="http://schemas.openxmlformats.org/presentationml/2006/main" xmlns:r="http://schemas.openxmlformats.org/officeDocument/2006/relationships" type="objAndTwoObj" preserve="1">
+<p:sldLayout xmlns:a="http://schemas.openxmlformats.org/drawingml/2006/main" xmlns:r="http://schemas.openxmlformats.org/officeDocument/2006/relationships" xmlns:p="http://schemas.openxmlformats.org/presentationml/2006/main" type="objAndTwoObj" preserve="1">
   <p:cSld name="Title Content and 2 Content">
     <p:spTree>
       <p:nvGrpSpPr>
@@ -950,7 +1099,8 @@
           </a:prstGeom>
         </p:spPr>
         <p:txBody>
-          <a:bodyPr lIns="0" rIns="0" tIns="0" bIns="0" anchor="ctr"/>
+          <a:bodyPr lIns="0" tIns="0" rIns="0" bIns="0" anchor="ctr"/>
+          <a:lstStyle/>
           <a:p>
             <a:pPr algn="ctr"/>
             <a:endParaRPr/>
@@ -977,7 +1127,8 @@
           </a:prstGeom>
         </p:spPr>
         <p:txBody>
-          <a:bodyPr lIns="0" rIns="0" tIns="0" bIns="0"/>
+          <a:bodyPr lIns="0" tIns="0" rIns="0" bIns="0"/>
+          <a:lstStyle/>
           <a:p>
             <a:endParaRPr/>
           </a:p>
@@ -1003,7 +1154,8 @@
           </a:prstGeom>
         </p:spPr>
         <p:txBody>
-          <a:bodyPr lIns="0" rIns="0" tIns="0" bIns="0"/>
+          <a:bodyPr lIns="0" tIns="0" rIns="0" bIns="0"/>
+          <a:lstStyle/>
           <a:p>
             <a:endParaRPr/>
           </a:p>
@@ -1029,7 +1181,8 @@
           </a:prstGeom>
         </p:spPr>
         <p:txBody>
-          <a:bodyPr lIns="0" rIns="0" tIns="0" bIns="0"/>
+          <a:bodyPr lIns="0" tIns="0" rIns="0" bIns="0"/>
+          <a:lstStyle/>
           <a:p>
             <a:endParaRPr/>
           </a:p>
@@ -1037,11 +1190,14 @@
       </p:sp>
     </p:spTree>
   </p:cSld>
+  <p:clrMapOvr>
+    <a:masterClrMapping/>
+  </p:clrMapOvr>
 </p:sldLayout>
 </file>
 
 <file path=ppt/slideLayouts/slideLayout9.xml><?xml version="1.0" encoding="utf-8"?>
-<p:sldLayout xmlns:a="http://schemas.openxmlformats.org/drawingml/2006/main" xmlns:p="http://schemas.openxmlformats.org/presentationml/2006/main" xmlns:r="http://schemas.openxmlformats.org/officeDocument/2006/relationships" type="twoObjOverTx" preserve="1">
+<p:sldLayout xmlns:a="http://schemas.openxmlformats.org/drawingml/2006/main" xmlns:r="http://schemas.openxmlformats.org/officeDocument/2006/relationships" xmlns:p="http://schemas.openxmlformats.org/presentationml/2006/main" type="twoObjOverTx" preserve="1">
   <p:cSld name="Title, 2 Content over Content">
     <p:spTree>
       <p:nvGrpSpPr>
@@ -1077,7 +1233,8 @@
           </a:prstGeom>
         </p:spPr>
         <p:txBody>
-          <a:bodyPr lIns="0" rIns="0" tIns="0" bIns="0" anchor="ctr"/>
+          <a:bodyPr lIns="0" tIns="0" rIns="0" bIns="0" anchor="ctr"/>
+          <a:lstStyle/>
           <a:p>
             <a:pPr algn="ctr"/>
             <a:endParaRPr/>
@@ -1104,7 +1261,8 @@
           </a:prstGeom>
         </p:spPr>
         <p:txBody>
-          <a:bodyPr lIns="0" rIns="0" tIns="0" bIns="0"/>
+          <a:bodyPr lIns="0" tIns="0" rIns="0" bIns="0"/>
+          <a:lstStyle/>
           <a:p>
             <a:endParaRPr/>
           </a:p>
@@ -1130,7 +1288,8 @@
           </a:prstGeom>
         </p:spPr>
         <p:txBody>
-          <a:bodyPr lIns="0" rIns="0" tIns="0" bIns="0"/>
+          <a:bodyPr lIns="0" tIns="0" rIns="0" bIns="0"/>
+          <a:lstStyle/>
           <a:p>
             <a:endParaRPr/>
           </a:p>
@@ -1156,7 +1315,8 @@
           </a:prstGeom>
         </p:spPr>
         <p:txBody>
-          <a:bodyPr lIns="0" rIns="0" tIns="0" bIns="0"/>
+          <a:bodyPr lIns="0" tIns="0" rIns="0" bIns="0"/>
+          <a:lstStyle/>
           <a:p>
             <a:endParaRPr/>
           </a:p>
@@ -1164,11 +1324,614 @@
       </p:sp>
     </p:spTree>
   </p:cSld>
+  <p:clrMapOvr>
+    <a:masterClrMapping/>
+  </p:clrMapOvr>
 </p:sldLayout>
 </file>
 
 <file path=ppt/slideMasters/slideMaster1.xml><?xml version="1.0" encoding="utf-8"?>
-<p:sldMaster xmlns:a="http://schemas.openxmlformats.org/drawingml/2006/main" xmlns:p="http://schemas.openxmlformats.org/presentationml/2006/main" xmlns:r="http://schemas.openxmlformats.org/officeDocument/2006/relationships">
+<p:sldMaster xmlns:a="http://schemas.openxmlformats.org/drawingml/2006/main" xmlns:r="http://schemas.openxmlformats.org/officeDocument/2006/relationships" xmlns:p="http://schemas.openxmlformats.org/presentationml/2006/main">
+  <p:cSld>
+    <p:bg>
+      <p:bgRef idx="1001">
+        <a:schemeClr val="bg1"/>
+      </p:bgRef>
+    </p:bg>
+    <p:spTree>
+      <p:nvGrpSpPr>
+        <p:cNvPr id="1" name=""/>
+        <p:cNvGrpSpPr/>
+        <p:nvPr/>
+      </p:nvGrpSpPr>
+      <p:grpSpPr>
+        <a:xfrm>
+          <a:off x="0" y="0"/>
+          <a:ext cx="0" cy="0"/>
+          <a:chOff x="0" y="0"/>
+          <a:chExt cx="0" cy="0"/>
+        </a:xfrm>
+      </p:grpSpPr>
+      <p:sp>
+        <p:nvSpPr>
+          <p:cNvPr id="5" name="PlaceHolder 1"/>
+          <p:cNvSpPr>
+            <a:spLocks noGrp="1"/>
+          </p:cNvSpPr>
+          <p:nvPr>
+            <p:ph type="title"/>
+          </p:nvPr>
+        </p:nvSpPr>
+        <p:spPr>
+          <a:xfrm>
+            <a:off x="504000" y="301320"/>
+            <a:ext cx="9071640" cy="1262160"/>
+          </a:xfrm>
+          <a:prstGeom prst="rect">
+            <a:avLst/>
+          </a:prstGeom>
+        </p:spPr>
+        <p:txBody>
+          <a:bodyPr lIns="0" tIns="0" rIns="0" bIns="0" anchor="ctr"/>
+          <a:lstStyle/>
+          <a:p>
+            <a:pPr algn="ctr"/>
+            <a:r>
+              <a:rPr lang="en-US" sz="4400" spc="-1">
+                <a:latin typeface="Arial"/>
+              </a:rPr>
+              <a:t>Click to edit the title text format</a:t>
+            </a:r>
+            <a:endParaRPr/>
+          </a:p>
+        </p:txBody>
+      </p:sp>
+      <p:sp>
+        <p:nvSpPr>
+          <p:cNvPr id="6" name="PlaceHolder 2"/>
+          <p:cNvSpPr>
+            <a:spLocks noGrp="1"/>
+          </p:cNvSpPr>
+          <p:nvPr>
+            <p:ph type="body"/>
+          </p:nvPr>
+        </p:nvSpPr>
+        <p:spPr>
+          <a:xfrm>
+            <a:off x="504000" y="1769040"/>
+            <a:ext cx="9071640" cy="4384440"/>
+          </a:xfrm>
+          <a:prstGeom prst="rect">
+            <a:avLst/>
+          </a:prstGeom>
+        </p:spPr>
+        <p:txBody>
+          <a:bodyPr lIns="0" tIns="0" rIns="0" bIns="0"/>
+          <a:lstStyle/>
+          <a:p>
+            <a:pPr marL="432000" indent="-324000">
+              <a:buClr>
+                <a:srgbClr val="FFFFFF"/>
+              </a:buClr>
+              <a:buSzPct val="45000"/>
+              <a:buFont typeface="Wingdings" charset="2"/>
+              <a:buChar char=""/>
+            </a:pPr>
+            <a:r>
+              <a:rPr lang="en-US" sz="3200" spc="-1">
+                <a:latin typeface="Arial"/>
+              </a:rPr>
+              <a:t>Click to edit the outline text format</a:t>
+            </a:r>
+            <a:endParaRPr/>
+          </a:p>
+          <a:p>
+            <a:pPr marL="864000" lvl="1" indent="-324000">
+              <a:buClr>
+                <a:srgbClr val="FFFFFF"/>
+              </a:buClr>
+              <a:buSzPct val="75000"/>
+              <a:buFont typeface="Symbol" charset="2"/>
+              <a:buChar char=""/>
+            </a:pPr>
+            <a:r>
+              <a:rPr lang="en-US" sz="2800" spc="-1">
+                <a:latin typeface="Arial"/>
+              </a:rPr>
+              <a:t>Second Outline Level</a:t>
+            </a:r>
+            <a:endParaRPr/>
+          </a:p>
+          <a:p>
+            <a:pPr marL="1296000" lvl="2" indent="-288000">
+              <a:buClr>
+                <a:srgbClr val="FFFFFF"/>
+              </a:buClr>
+              <a:buSzPct val="45000"/>
+              <a:buFont typeface="Wingdings" charset="2"/>
+              <a:buChar char=""/>
+            </a:pPr>
+            <a:r>
+              <a:rPr lang="en-US" sz="2400" spc="-1">
+                <a:latin typeface="Arial"/>
+              </a:rPr>
+              <a:t>Third Outline Level</a:t>
+            </a:r>
+            <a:endParaRPr/>
+          </a:p>
+          <a:p>
+            <a:pPr marL="1728000" lvl="3" indent="-216000">
+              <a:buClr>
+                <a:srgbClr val="FFFFFF"/>
+              </a:buClr>
+              <a:buSzPct val="75000"/>
+              <a:buFont typeface="Symbol" charset="2"/>
+              <a:buChar char=""/>
+            </a:pPr>
+            <a:r>
+              <a:rPr lang="en-US" sz="2000" spc="-1">
+                <a:latin typeface="Arial"/>
+              </a:rPr>
+              <a:t>Fourth Outline Level</a:t>
+            </a:r>
+            <a:endParaRPr/>
+          </a:p>
+          <a:p>
+            <a:pPr marL="2160000" lvl="4" indent="-216000">
+              <a:buClr>
+                <a:srgbClr val="FFFFFF"/>
+              </a:buClr>
+              <a:buSzPct val="45000"/>
+              <a:buFont typeface="Wingdings" charset="2"/>
+              <a:buChar char=""/>
+            </a:pPr>
+            <a:r>
+              <a:rPr lang="en-US" sz="2000" spc="-1">
+                <a:latin typeface="Arial"/>
+              </a:rPr>
+              <a:t>Fifth Outline Level</a:t>
+            </a:r>
+            <a:endParaRPr/>
+          </a:p>
+          <a:p>
+            <a:pPr marL="2592000" lvl="5" indent="-216000">
+              <a:buClr>
+                <a:srgbClr val="FFFFFF"/>
+              </a:buClr>
+              <a:buSzPct val="45000"/>
+              <a:buFont typeface="Wingdings" charset="2"/>
+              <a:buChar char=""/>
+            </a:pPr>
+            <a:r>
+              <a:rPr lang="en-US" sz="2000" spc="-1">
+                <a:latin typeface="Arial"/>
+              </a:rPr>
+              <a:t>Sixth Outline Level</a:t>
+            </a:r>
+            <a:endParaRPr/>
+          </a:p>
+          <a:p>
+            <a:pPr marL="3024000" lvl="6" indent="-216000">
+              <a:buClr>
+                <a:srgbClr val="FFFFFF"/>
+              </a:buClr>
+              <a:buSzPct val="45000"/>
+              <a:buFont typeface="Wingdings" charset="2"/>
+              <a:buChar char=""/>
+            </a:pPr>
+            <a:r>
+              <a:rPr lang="en-US" sz="2000" spc="-1">
+                <a:latin typeface="Arial"/>
+              </a:rPr>
+              <a:t>Seventh Outline Level</a:t>
+            </a:r>
+            <a:endParaRPr/>
+          </a:p>
+        </p:txBody>
+      </p:sp>
+      <p:sp>
+        <p:nvSpPr>
+          <p:cNvPr id="2" name="PlaceHolder 3"/>
+          <p:cNvSpPr>
+            <a:spLocks noGrp="1"/>
+          </p:cNvSpPr>
+          <p:nvPr>
+            <p:ph type="dt"/>
+          </p:nvPr>
+        </p:nvSpPr>
+        <p:spPr>
+          <a:xfrm>
+            <a:off x="504000" y="6887160"/>
+            <a:ext cx="2348280" cy="521280"/>
+          </a:xfrm>
+          <a:prstGeom prst="rect">
+            <a:avLst/>
+          </a:prstGeom>
+        </p:spPr>
+        <p:txBody>
+          <a:bodyPr lIns="0" tIns="0" rIns="0" bIns="0"/>
+          <a:lstStyle/>
+          <a:p>
+            <a:r>
+              <a:rPr lang="en-US" sz="1400" spc="-1">
+                <a:latin typeface="Times New Roman"/>
+              </a:rPr>
+              <a:t>&lt;date/time&gt;</a:t>
+            </a:r>
+            <a:endParaRPr/>
+          </a:p>
+        </p:txBody>
+      </p:sp>
+      <p:sp>
+        <p:nvSpPr>
+          <p:cNvPr id="3" name="PlaceHolder 4"/>
+          <p:cNvSpPr>
+            <a:spLocks noGrp="1"/>
+          </p:cNvSpPr>
+          <p:nvPr>
+            <p:ph type="ftr"/>
+          </p:nvPr>
+        </p:nvSpPr>
+        <p:spPr>
+          <a:xfrm>
+            <a:off x="3447360" y="6887160"/>
+            <a:ext cx="3195000" cy="521280"/>
+          </a:xfrm>
+          <a:prstGeom prst="rect">
+            <a:avLst/>
+          </a:prstGeom>
+        </p:spPr>
+        <p:txBody>
+          <a:bodyPr lIns="0" tIns="0" rIns="0" bIns="0"/>
+          <a:lstStyle/>
+          <a:p>
+            <a:pPr algn="ctr"/>
+            <a:r>
+              <a:rPr lang="en-US" sz="1400" spc="-1">
+                <a:latin typeface="Times New Roman"/>
+              </a:rPr>
+              <a:t>&lt;footer&gt;</a:t>
+            </a:r>
+            <a:endParaRPr/>
+          </a:p>
+        </p:txBody>
+      </p:sp>
+      <p:sp>
+        <p:nvSpPr>
+          <p:cNvPr id="4" name="PlaceHolder 5"/>
+          <p:cNvSpPr>
+            <a:spLocks noGrp="1"/>
+          </p:cNvSpPr>
+          <p:nvPr>
+            <p:ph type="sldNum"/>
+          </p:nvPr>
+        </p:nvSpPr>
+        <p:spPr>
+          <a:xfrm>
+            <a:off x="7227360" y="6887160"/>
+            <a:ext cx="2348280" cy="521280"/>
+          </a:xfrm>
+          <a:prstGeom prst="rect">
+            <a:avLst/>
+          </a:prstGeom>
+        </p:spPr>
+        <p:txBody>
+          <a:bodyPr lIns="0" tIns="0" rIns="0" bIns="0"/>
+          <a:lstStyle/>
+          <a:p>
+            <a:pPr algn="r"/>
+            <a:fld id="{15736C68-ABB8-4DE7-B9E8-0805537ED1E6}" type="slidenum">
+              <a:rPr lang="en-US" sz="1400" spc="-1">
+                <a:latin typeface="Times New Roman"/>
+              </a:rPr>
+              <a:t>‹#›</a:t>
+            </a:fld>
+            <a:endParaRPr/>
+          </a:p>
+        </p:txBody>
+      </p:sp>
+    </p:spTree>
+  </p:cSld>
+  <p:clrMap bg1="lt1" tx1="dk1" bg2="lt2" tx2="dk2" accent1="accent1" accent2="accent2" accent3="accent3" accent4="accent4" accent5="accent5" accent6="accent6" hlink="hlink" folHlink="folHlink"/>
+  <p:sldLayoutIdLst>
+    <p:sldLayoutId id="2147483649" r:id="rId1"/>
+    <p:sldLayoutId id="2147483650" r:id="rId2"/>
+    <p:sldLayoutId id="2147483651" r:id="rId3"/>
+    <p:sldLayoutId id="2147483652" r:id="rId4"/>
+    <p:sldLayoutId id="2147483653" r:id="rId5"/>
+    <p:sldLayoutId id="2147483654" r:id="rId6"/>
+    <p:sldLayoutId id="2147483655" r:id="rId7"/>
+    <p:sldLayoutId id="2147483656" r:id="rId8"/>
+    <p:sldLayoutId id="2147483657" r:id="rId9"/>
+    <p:sldLayoutId id="2147483658" r:id="rId10"/>
+    <p:sldLayoutId id="2147483659" r:id="rId11"/>
+    <p:sldLayoutId id="2147483660" r:id="rId12"/>
+  </p:sldLayoutIdLst>
+  <p:txStyles>
+    <p:titleStyle>
+      <a:lvl1pPr algn="l" defTabSz="914400" rtl="0" eaLnBrk="1" latinLnBrk="0" hangingPunct="1">
+        <a:lnSpc>
+          <a:spcPct val="90000"/>
+        </a:lnSpc>
+        <a:spcBef>
+          <a:spcPct val="0"/>
+        </a:spcBef>
+        <a:buNone/>
+        <a:defRPr sz="4400" kern="1200">
+          <a:solidFill>
+            <a:schemeClr val="tx1"/>
+          </a:solidFill>
+          <a:latin typeface="+mj-lt"/>
+          <a:ea typeface="+mj-ea"/>
+          <a:cs typeface="+mj-cs"/>
+        </a:defRPr>
+      </a:lvl1pPr>
+    </p:titleStyle>
+    <p:bodyStyle>
+      <a:lvl1pPr marL="228600" indent="-228600" algn="l" defTabSz="914400" rtl="0" eaLnBrk="1" latinLnBrk="0" hangingPunct="1">
+        <a:lnSpc>
+          <a:spcPct val="90000"/>
+        </a:lnSpc>
+        <a:spcBef>
+          <a:spcPts val="1000"/>
+        </a:spcBef>
+        <a:buFont typeface="Arial" panose="020B0604020202020204" pitchFamily="34" charset="0"/>
+        <a:buChar char="•"/>
+        <a:defRPr sz="2800" kern="1200">
+          <a:solidFill>
+            <a:schemeClr val="tx1"/>
+          </a:solidFill>
+          <a:latin typeface="+mn-lt"/>
+          <a:ea typeface="+mn-ea"/>
+          <a:cs typeface="+mn-cs"/>
+        </a:defRPr>
+      </a:lvl1pPr>
+      <a:lvl2pPr marL="685800" indent="-228600" algn="l" defTabSz="914400" rtl="0" eaLnBrk="1" latinLnBrk="0" hangingPunct="1">
+        <a:lnSpc>
+          <a:spcPct val="90000"/>
+        </a:lnSpc>
+        <a:spcBef>
+          <a:spcPts val="500"/>
+        </a:spcBef>
+        <a:buFont typeface="Arial" panose="020B0604020202020204" pitchFamily="34" charset="0"/>
+        <a:buChar char="•"/>
+        <a:defRPr sz="2400" kern="1200">
+          <a:solidFill>
+            <a:schemeClr val="tx1"/>
+          </a:solidFill>
+          <a:latin typeface="+mn-lt"/>
+          <a:ea typeface="+mn-ea"/>
+          <a:cs typeface="+mn-cs"/>
+        </a:defRPr>
+      </a:lvl2pPr>
+      <a:lvl3pPr marL="1143000" indent="-228600" algn="l" defTabSz="914400" rtl="0" eaLnBrk="1" latinLnBrk="0" hangingPunct="1">
+        <a:lnSpc>
+          <a:spcPct val="90000"/>
+        </a:lnSpc>
+        <a:spcBef>
+          <a:spcPts val="500"/>
+        </a:spcBef>
+        <a:buFont typeface="Arial" panose="020B0604020202020204" pitchFamily="34" charset="0"/>
+        <a:buChar char="•"/>
+        <a:defRPr sz="2000" kern="1200">
+          <a:solidFill>
+            <a:schemeClr val="tx1"/>
+          </a:solidFill>
+          <a:latin typeface="+mn-lt"/>
+          <a:ea typeface="+mn-ea"/>
+          <a:cs typeface="+mn-cs"/>
+        </a:defRPr>
+      </a:lvl3pPr>
+      <a:lvl4pPr marL="1600200" indent="-228600" algn="l" defTabSz="914400" rtl="0" eaLnBrk="1" latinLnBrk="0" hangingPunct="1">
+        <a:lnSpc>
+          <a:spcPct val="90000"/>
+        </a:lnSpc>
+        <a:spcBef>
+          <a:spcPts val="500"/>
+        </a:spcBef>
+        <a:buFont typeface="Arial" panose="020B0604020202020204" pitchFamily="34" charset="0"/>
+        <a:buChar char="•"/>
+        <a:defRPr sz="1800" kern="1200">
+          <a:solidFill>
+            <a:schemeClr val="tx1"/>
+          </a:solidFill>
+          <a:latin typeface="+mn-lt"/>
+          <a:ea typeface="+mn-ea"/>
+          <a:cs typeface="+mn-cs"/>
+        </a:defRPr>
+      </a:lvl4pPr>
+      <a:lvl5pPr marL="2057400" indent="-228600" algn="l" defTabSz="914400" rtl="0" eaLnBrk="1" latinLnBrk="0" hangingPunct="1">
+        <a:lnSpc>
+          <a:spcPct val="90000"/>
+        </a:lnSpc>
+        <a:spcBef>
+          <a:spcPts val="500"/>
+        </a:spcBef>
+        <a:buFont typeface="Arial" panose="020B0604020202020204" pitchFamily="34" charset="0"/>
+        <a:buChar char="•"/>
+        <a:defRPr sz="1800" kern="1200">
+          <a:solidFill>
+            <a:schemeClr val="tx1"/>
+          </a:solidFill>
+          <a:latin typeface="+mn-lt"/>
+          <a:ea typeface="+mn-ea"/>
+          <a:cs typeface="+mn-cs"/>
+        </a:defRPr>
+      </a:lvl5pPr>
+      <a:lvl6pPr marL="2514600" indent="-228600" algn="l" defTabSz="914400" rtl="0" eaLnBrk="1" latinLnBrk="0" hangingPunct="1">
+        <a:lnSpc>
+          <a:spcPct val="90000"/>
+        </a:lnSpc>
+        <a:spcBef>
+          <a:spcPts val="500"/>
+        </a:spcBef>
+        <a:buFont typeface="Arial" panose="020B0604020202020204" pitchFamily="34" charset="0"/>
+        <a:buChar char="•"/>
+        <a:defRPr sz="1800" kern="1200">
+          <a:solidFill>
+            <a:schemeClr val="tx1"/>
+          </a:solidFill>
+          <a:latin typeface="+mn-lt"/>
+          <a:ea typeface="+mn-ea"/>
+          <a:cs typeface="+mn-cs"/>
+        </a:defRPr>
+      </a:lvl6pPr>
+      <a:lvl7pPr marL="2971800" indent="-228600" algn="l" defTabSz="914400" rtl="0" eaLnBrk="1" latinLnBrk="0" hangingPunct="1">
+        <a:lnSpc>
+          <a:spcPct val="90000"/>
+        </a:lnSpc>
+        <a:spcBef>
+          <a:spcPts val="500"/>
+        </a:spcBef>
+        <a:buFont typeface="Arial" panose="020B0604020202020204" pitchFamily="34" charset="0"/>
+        <a:buChar char="•"/>
+        <a:defRPr sz="1800" kern="1200">
+          <a:solidFill>
+            <a:schemeClr val="tx1"/>
+          </a:solidFill>
+          <a:latin typeface="+mn-lt"/>
+          <a:ea typeface="+mn-ea"/>
+          <a:cs typeface="+mn-cs"/>
+        </a:defRPr>
+      </a:lvl7pPr>
+      <a:lvl8pPr marL="3429000" indent="-228600" algn="l" defTabSz="914400" rtl="0" eaLnBrk="1" latinLnBrk="0" hangingPunct="1">
+        <a:lnSpc>
+          <a:spcPct val="90000"/>
+        </a:lnSpc>
+        <a:spcBef>
+          <a:spcPts val="500"/>
+        </a:spcBef>
+        <a:buFont typeface="Arial" panose="020B0604020202020204" pitchFamily="34" charset="0"/>
+        <a:buChar char="•"/>
+        <a:defRPr sz="1800" kern="1200">
+          <a:solidFill>
+            <a:schemeClr val="tx1"/>
+          </a:solidFill>
+          <a:latin typeface="+mn-lt"/>
+          <a:ea typeface="+mn-ea"/>
+          <a:cs typeface="+mn-cs"/>
+        </a:defRPr>
+      </a:lvl8pPr>
+      <a:lvl9pPr marL="3886200" indent="-228600" algn="l" defTabSz="914400" rtl="0" eaLnBrk="1" latinLnBrk="0" hangingPunct="1">
+        <a:lnSpc>
+          <a:spcPct val="90000"/>
+        </a:lnSpc>
+        <a:spcBef>
+          <a:spcPts val="500"/>
+        </a:spcBef>
+        <a:buFont typeface="Arial" panose="020B0604020202020204" pitchFamily="34" charset="0"/>
+        <a:buChar char="•"/>
+        <a:defRPr sz="1800" kern="1200">
+          <a:solidFill>
+            <a:schemeClr val="tx1"/>
+          </a:solidFill>
+          <a:latin typeface="+mn-lt"/>
+          <a:ea typeface="+mn-ea"/>
+          <a:cs typeface="+mn-cs"/>
+        </a:defRPr>
+      </a:lvl9pPr>
+    </p:bodyStyle>
+    <p:otherStyle>
+      <a:defPPr>
+        <a:defRPr lang="en-US"/>
+      </a:defPPr>
+      <a:lvl1pPr marL="0" algn="l" defTabSz="914400" rtl="0" eaLnBrk="1" latinLnBrk="0" hangingPunct="1">
+        <a:defRPr sz="1800" kern="1200">
+          <a:solidFill>
+            <a:schemeClr val="tx1"/>
+          </a:solidFill>
+          <a:latin typeface="+mn-lt"/>
+          <a:ea typeface="+mn-ea"/>
+          <a:cs typeface="+mn-cs"/>
+        </a:defRPr>
+      </a:lvl1pPr>
+      <a:lvl2pPr marL="457200" algn="l" defTabSz="914400" rtl="0" eaLnBrk="1" latinLnBrk="0" hangingPunct="1">
+        <a:defRPr sz="1800" kern="1200">
+          <a:solidFill>
+            <a:schemeClr val="tx1"/>
+          </a:solidFill>
+          <a:latin typeface="+mn-lt"/>
+          <a:ea typeface="+mn-ea"/>
+          <a:cs typeface="+mn-cs"/>
+        </a:defRPr>
+      </a:lvl2pPr>
+      <a:lvl3pPr marL="914400" algn="l" defTabSz="914400" rtl="0" eaLnBrk="1" latinLnBrk="0" hangingPunct="1">
+        <a:defRPr sz="1800" kern="1200">
+          <a:solidFill>
+            <a:schemeClr val="tx1"/>
+          </a:solidFill>
+          <a:latin typeface="+mn-lt"/>
+          <a:ea typeface="+mn-ea"/>
+          <a:cs typeface="+mn-cs"/>
+        </a:defRPr>
+      </a:lvl3pPr>
+      <a:lvl4pPr marL="1371600" algn="l" defTabSz="914400" rtl="0" eaLnBrk="1" latinLnBrk="0" hangingPunct="1">
+        <a:defRPr sz="1800" kern="1200">
+          <a:solidFill>
+            <a:schemeClr val="tx1"/>
+          </a:solidFill>
+          <a:latin typeface="+mn-lt"/>
+          <a:ea typeface="+mn-ea"/>
+          <a:cs typeface="+mn-cs"/>
+        </a:defRPr>
+      </a:lvl4pPr>
+      <a:lvl5pPr marL="1828800" algn="l" defTabSz="914400" rtl="0" eaLnBrk="1" latinLnBrk="0" hangingPunct="1">
+        <a:defRPr sz="1800" kern="1200">
+          <a:solidFill>
+            <a:schemeClr val="tx1"/>
+          </a:solidFill>
+          <a:latin typeface="+mn-lt"/>
+          <a:ea typeface="+mn-ea"/>
+          <a:cs typeface="+mn-cs"/>
+        </a:defRPr>
+      </a:lvl5pPr>
+      <a:lvl6pPr marL="2286000" algn="l" defTabSz="914400" rtl="0" eaLnBrk="1" latinLnBrk="0" hangingPunct="1">
+        <a:defRPr sz="1800" kern="1200">
+          <a:solidFill>
+            <a:schemeClr val="tx1"/>
+          </a:solidFill>
+          <a:latin typeface="+mn-lt"/>
+          <a:ea typeface="+mn-ea"/>
+          <a:cs typeface="+mn-cs"/>
+        </a:defRPr>
+      </a:lvl6pPr>
+      <a:lvl7pPr marL="2743200" algn="l" defTabSz="914400" rtl="0" eaLnBrk="1" latinLnBrk="0" hangingPunct="1">
+        <a:defRPr sz="1800" kern="1200">
+          <a:solidFill>
+            <a:schemeClr val="tx1"/>
+          </a:solidFill>
+          <a:latin typeface="+mn-lt"/>
+          <a:ea typeface="+mn-ea"/>
+          <a:cs typeface="+mn-cs"/>
+        </a:defRPr>
+      </a:lvl7pPr>
+      <a:lvl8pPr marL="3200400" algn="l" defTabSz="914400" rtl="0" eaLnBrk="1" latinLnBrk="0" hangingPunct="1">
+        <a:defRPr sz="1800" kern="1200">
+          <a:solidFill>
+            <a:schemeClr val="tx1"/>
+          </a:solidFill>
+          <a:latin typeface="+mn-lt"/>
+          <a:ea typeface="+mn-ea"/>
+          <a:cs typeface="+mn-cs"/>
+        </a:defRPr>
+      </a:lvl8pPr>
+      <a:lvl9pPr marL="3657600" algn="l" defTabSz="914400" rtl="0" eaLnBrk="1" latinLnBrk="0" hangingPunct="1">
+        <a:defRPr sz="1800" kern="1200">
+          <a:solidFill>
+            <a:schemeClr val="tx1"/>
+          </a:solidFill>
+          <a:latin typeface="+mn-lt"/>
+          <a:ea typeface="+mn-ea"/>
+          <a:cs typeface="+mn-cs"/>
+        </a:defRPr>
+      </a:lvl9pPr>
+    </p:otherStyle>
+  </p:txStyles>
+</p:sldMaster>
+</file>
+
+<file path=ppt/slides/slide1.xml><?xml version="1.0" encoding="utf-8"?>
+<p:sld xmlns:a="http://schemas.openxmlformats.org/drawingml/2006/main" xmlns:r="http://schemas.openxmlformats.org/officeDocument/2006/relationships" xmlns:p="http://schemas.openxmlformats.org/presentationml/2006/main">
   <p:cSld>
     <p:spTree>
       <p:nvGrpSpPr>
@@ -1186,299 +1949,243 @@
       </p:grpSpPr>
       <p:sp>
         <p:nvSpPr>
-          <p:cNvPr id="0" name="PlaceHolder 1"/>
-          <p:cNvSpPr>
-            <a:spLocks noGrp="1"/>
-          </p:cNvSpPr>
-          <p:nvPr>
-            <p:ph type="title"/>
-          </p:nvPr>
-        </p:nvSpPr>
-        <p:spPr>
-          <a:xfrm>
-            <a:off x="504000" y="301320"/>
+          <p:cNvPr id="39" name="TextShape 1"/>
+          <p:cNvSpPr txBox="1"/>
+          <p:nvPr/>
+        </p:nvSpPr>
+        <p:spPr>
+          <a:xfrm>
+            <a:off x="504000" y="-58680"/>
             <a:ext cx="9071640" cy="1262160"/>
           </a:xfrm>
           <a:prstGeom prst="rect">
             <a:avLst/>
           </a:prstGeom>
-        </p:spPr>
-        <p:txBody>
-          <a:bodyPr lIns="0" rIns="0" tIns="0" bIns="0" anchor="ctr"/>
+          <a:noFill/>
+          <a:ln>
+            <a:noFill/>
+          </a:ln>
+        </p:spPr>
+        <p:txBody>
+          <a:bodyPr lIns="0" tIns="0" rIns="0" bIns="0" anchor="ctr"/>
+          <a:lstStyle/>
           <a:p>
             <a:pPr algn="ctr"/>
-            <a:r>
-              <a:rPr lang="en-US" sz="4400" spc="-1">
-                <a:latin typeface="Arial"/>
-              </a:rPr>
-              <a:t>Click to edit the title text format</a:t>
-            </a:r>
-            <a:endParaRPr/>
-          </a:p>
-        </p:txBody>
-      </p:sp>
-      <p:sp>
-        <p:nvSpPr>
-          <p:cNvPr id="1" name="PlaceHolder 2"/>
-          <p:cNvSpPr>
-            <a:spLocks noGrp="1"/>
-          </p:cNvSpPr>
-          <p:nvPr>
-            <p:ph type="body"/>
-          </p:nvPr>
-        </p:nvSpPr>
-        <p:spPr>
-          <a:xfrm>
-            <a:off x="504000" y="1769040"/>
-            <a:ext cx="9071640" cy="4384440"/>
-          </a:xfrm>
-          <a:prstGeom prst="rect">
-            <a:avLst/>
-          </a:prstGeom>
-        </p:spPr>
-        <p:txBody>
-          <a:bodyPr lIns="0" rIns="0" tIns="0" bIns="0"/>
-          <a:p>
-            <a:pPr marL="432000" indent="-324000">
-              <a:buClr>
-                <a:srgbClr val="ffffff"/>
-              </a:buClr>
-              <a:buSzPct val="45000"/>
-              <a:buFont typeface="Wingdings" charset="2"/>
-              <a:buChar char=""/>
-            </a:pPr>
+            <a:endParaRPr dirty="0"/>
+          </a:p>
+        </p:txBody>
+      </p:sp>
+      <p:sp>
+        <p:nvSpPr>
+          <p:cNvPr id="40" name="TextShape 2"/>
+          <p:cNvSpPr txBox="1"/>
+          <p:nvPr/>
+        </p:nvSpPr>
+        <p:spPr>
+          <a:xfrm>
+            <a:off x="488520" y="1560240"/>
+            <a:ext cx="3449160" cy="1855800"/>
+          </a:xfrm>
+          <a:prstGeom prst="rect">
+            <a:avLst/>
+          </a:prstGeom>
+          <a:noFill/>
+          <a:ln>
+            <a:noFill/>
+          </a:ln>
+        </p:spPr>
+        <p:txBody>
+          <a:bodyPr lIns="0" tIns="0" rIns="0" bIns="0" anchor="ctr"/>
+          <a:lstStyle/>
+          <a:p>
+            <a:pPr algn="ctr"/>
             <a:r>
               <a:rPr lang="en-US" sz="3200" spc="-1">
                 <a:latin typeface="Arial"/>
               </a:rPr>
-              <a:t>Click to edit the outline text format</a:t>
+              <a:t>This is a text box.</a:t>
             </a:r>
             <a:endParaRPr/>
           </a:p>
-          <a:p>
-            <a:pPr lvl="1" marL="864000" indent="-324000">
-              <a:buClr>
-                <a:srgbClr val="ffffff"/>
-              </a:buClr>
-              <a:buSzPct val="75000"/>
-              <a:buFont typeface="Symbol" charset="2"/>
-              <a:buChar char=""/>
-            </a:pPr>
+        </p:txBody>
+      </p:sp>
+      <p:sp>
+        <p:nvSpPr>
+          <p:cNvPr id="41" name="TextShape 3"/>
+          <p:cNvSpPr txBox="1"/>
+          <p:nvPr/>
+        </p:nvSpPr>
+        <p:spPr>
+          <a:xfrm>
+            <a:off x="438480" y="4491000"/>
+            <a:ext cx="3449160" cy="2158200"/>
+          </a:xfrm>
+          <a:prstGeom prst="rect">
+            <a:avLst/>
+          </a:prstGeom>
+          <a:noFill/>
+          <a:ln>
+            <a:noFill/>
+          </a:ln>
+        </p:spPr>
+        <p:txBody>
+          <a:bodyPr lIns="0" tIns="0" rIns="0" bIns="0" anchor="ctr"/>
+          <a:lstStyle/>
+          <a:p>
+            <a:pPr algn="ctr"/>
             <a:r>
-              <a:rPr lang="en-US" sz="2800" spc="-1">
+              <a:rPr lang="en-US" sz="5000" spc="-1">
+                <a:solidFill>
+                  <a:srgbClr val="FF6600"/>
+                </a:solidFill>
+                <a:latin typeface="Courier New"/>
+              </a:rPr>
+              <a:t>Huge red Courier font!</a:t>
+            </a:r>
+            <a:endParaRPr/>
+          </a:p>
+        </p:txBody>
+      </p:sp>
+      <p:sp>
+        <p:nvSpPr>
+          <p:cNvPr id="42" name="TextShape 4"/>
+          <p:cNvSpPr txBox="1"/>
+          <p:nvPr/>
+        </p:nvSpPr>
+        <p:spPr>
+          <a:xfrm>
+            <a:off x="4212000" y="4399168"/>
+            <a:ext cx="5508000" cy="1645920"/>
+          </a:xfrm>
+          <a:prstGeom prst="rect">
+            <a:avLst/>
+          </a:prstGeom>
+          <a:noFill/>
+          <a:ln>
+            <a:noFill/>
+          </a:ln>
+        </p:spPr>
+        <p:txBody>
+          <a:bodyPr lIns="0" tIns="0" rIns="0" bIns="0" anchor="ctr"/>
+          <a:lstStyle/>
+          <a:p>
+            <a:pPr algn="ctr"/>
+            <a:r>
+              <a:rPr lang="en-US" sz="4000" b="1" spc="-1">
+                <a:solidFill>
+                  <a:srgbClr val="6666FF"/>
+                </a:solidFill>
                 <a:latin typeface="Arial"/>
               </a:rPr>
-              <a:t>Second Outline Level</a:t>
+              <a:t>我是中文！</a:t>
             </a:r>
             <a:endParaRPr/>
           </a:p>
-          <a:p>
-            <a:pPr lvl="2" marL="1296000" indent="-288000">
-              <a:buClr>
-                <a:srgbClr val="ffffff"/>
-              </a:buClr>
-              <a:buSzPct val="45000"/>
-              <a:buFont typeface="Wingdings" charset="2"/>
-              <a:buChar char=""/>
-            </a:pPr>
+        </p:txBody>
+      </p:sp>
+      <p:sp>
+        <p:nvSpPr>
+          <p:cNvPr id="43" name="TextShape 5"/>
+          <p:cNvSpPr txBox="1"/>
+          <p:nvPr/>
+        </p:nvSpPr>
+        <p:spPr>
+          <a:xfrm>
+            <a:off x="4406400" y="2259360"/>
+            <a:ext cx="5469120" cy="666720"/>
+          </a:xfrm>
+          <a:prstGeom prst="rect">
+            <a:avLst/>
+          </a:prstGeom>
+          <a:noFill/>
+          <a:ln>
+            <a:noFill/>
+          </a:ln>
+        </p:spPr>
+        <p:txBody>
+          <a:bodyPr lIns="0" tIns="0" rIns="0" bIns="0" anchor="ctr"/>
+          <a:lstStyle/>
+          <a:p>
+            <a:pPr algn="ctr"/>
             <a:r>
-              <a:rPr lang="en-US" sz="2400" spc="-1">
+              <a:rPr lang="en-US" sz="4000" b="1" spc="-1">
                 <a:latin typeface="Arial"/>
               </a:rPr>
-              <a:t>Third Outline Level</a:t>
+              <a:t>これは日本語である。</a:t>
             </a:r>
             <a:endParaRPr/>
           </a:p>
-          <a:p>
-            <a:pPr lvl="3" marL="1728000" indent="-216000">
-              <a:buClr>
-                <a:srgbClr val="ffffff"/>
-              </a:buClr>
-              <a:buSzPct val="75000"/>
-              <a:buFont typeface="Symbol" charset="2"/>
-              <a:buChar char=""/>
-            </a:pPr>
-            <a:r>
-              <a:rPr lang="en-US" sz="2000" spc="-1">
-                <a:latin typeface="Arial"/>
-              </a:rPr>
-              <a:t>Fourth Outline Level</a:t>
-            </a:r>
-            <a:endParaRPr/>
-          </a:p>
-          <a:p>
-            <a:pPr lvl="4" marL="2160000" indent="-216000">
-              <a:buClr>
-                <a:srgbClr val="ffffff"/>
-              </a:buClr>
-              <a:buSzPct val="45000"/>
-              <a:buFont typeface="Wingdings" charset="2"/>
-              <a:buChar char=""/>
-            </a:pPr>
-            <a:r>
-              <a:rPr lang="en-US" sz="2000" spc="-1">
-                <a:latin typeface="Arial"/>
-              </a:rPr>
-              <a:t>Fifth Outline Level</a:t>
-            </a:r>
-            <a:endParaRPr/>
-          </a:p>
-          <a:p>
-            <a:pPr lvl="5" marL="2592000" indent="-216000">
-              <a:buClr>
-                <a:srgbClr val="ffffff"/>
-              </a:buClr>
-              <a:buSzPct val="45000"/>
-              <a:buFont typeface="Wingdings" charset="2"/>
-              <a:buChar char=""/>
-            </a:pPr>
-            <a:r>
-              <a:rPr lang="en-US" sz="2000" spc="-1">
-                <a:latin typeface="Arial"/>
-              </a:rPr>
-              <a:t>Sixth Outline Level</a:t>
-            </a:r>
-            <a:endParaRPr/>
-          </a:p>
-          <a:p>
-            <a:pPr lvl="6" marL="3024000" indent="-216000">
-              <a:buClr>
-                <a:srgbClr val="ffffff"/>
-              </a:buClr>
-              <a:buSzPct val="45000"/>
-              <a:buFont typeface="Wingdings" charset="2"/>
-              <a:buChar char=""/>
-            </a:pPr>
-            <a:r>
-              <a:rPr lang="en-US" sz="2000" spc="-1">
-                <a:latin typeface="Arial"/>
-              </a:rPr>
-              <a:t>Seventh Outline Level</a:t>
-            </a:r>
-            <a:endParaRPr/>
-          </a:p>
-        </p:txBody>
-      </p:sp>
-      <p:sp>
-        <p:nvSpPr>
-          <p:cNvPr id="2" name="PlaceHolder 3"/>
-          <p:cNvSpPr>
-            <a:spLocks noGrp="1"/>
-          </p:cNvSpPr>
-          <p:nvPr>
-            <p:ph type="dt"/>
-          </p:nvPr>
-        </p:nvSpPr>
-        <p:spPr>
-          <a:xfrm>
-            <a:off x="504000" y="6887160"/>
-            <a:ext cx="2348280" cy="521280"/>
-          </a:xfrm>
-          <a:prstGeom prst="rect">
-            <a:avLst/>
-          </a:prstGeom>
-        </p:spPr>
-        <p:txBody>
-          <a:bodyPr lIns="0" rIns="0" tIns="0" bIns="0"/>
-          <a:p>
-            <a:r>
-              <a:rPr lang="en-US" sz="1400" spc="-1">
-                <a:latin typeface="Times New Roman"/>
-              </a:rPr>
-              <a:t>&lt;date/time&gt;</a:t>
-            </a:r>
-            <a:endParaRPr/>
-          </a:p>
-        </p:txBody>
-      </p:sp>
-      <p:sp>
-        <p:nvSpPr>
-          <p:cNvPr id="3" name="PlaceHolder 4"/>
-          <p:cNvSpPr>
-            <a:spLocks noGrp="1"/>
-          </p:cNvSpPr>
-          <p:nvPr>
-            <p:ph type="ftr"/>
-          </p:nvPr>
-        </p:nvSpPr>
-        <p:spPr>
-          <a:xfrm>
-            <a:off x="3447360" y="6887160"/>
-            <a:ext cx="3195000" cy="521280"/>
-          </a:xfrm>
-          <a:prstGeom prst="rect">
-            <a:avLst/>
-          </a:prstGeom>
-        </p:spPr>
-        <p:txBody>
-          <a:bodyPr lIns="0" rIns="0" tIns="0" bIns="0"/>
+        </p:txBody>
+      </p:sp>
+      <p:sp>
+        <p:nvSpPr>
+          <p:cNvPr id="4" name="Title 3"/>
+          <p:cNvSpPr>
+            <a:spLocks noGrp="1"/>
+          </p:cNvSpPr>
+          <p:nvPr>
+            <p:ph type="title"/>
+          </p:nvPr>
+        </p:nvSpPr>
+        <p:spPr>
+          <a:xfrm>
+            <a:off x="504000" y="192616"/>
+            <a:ext cx="9071640" cy="1262160"/>
+          </a:xfrm>
+        </p:spPr>
+        <p:txBody>
+          <a:bodyPr/>
+          <a:lstStyle/>
           <a:p>
             <a:pPr algn="ctr"/>
             <a:r>
-              <a:rPr lang="en-US" sz="1400" spc="-1">
-                <a:latin typeface="Times New Roman"/>
-              </a:rPr>
-              <a:t>&lt;footer&gt;</a:t>
+              <a:rPr lang="en-US" dirty="0" smtClean="0"/>
+              <a:t>Homer’s Deck</a:t>
             </a:r>
-            <a:endParaRPr/>
-          </a:p>
-        </p:txBody>
-      </p:sp>
-      <p:sp>
-        <p:nvSpPr>
-          <p:cNvPr id="4" name="PlaceHolder 5"/>
-          <p:cNvSpPr>
-            <a:spLocks noGrp="1"/>
-          </p:cNvSpPr>
-          <p:nvPr>
-            <p:ph type="sldNum"/>
-          </p:nvPr>
-        </p:nvSpPr>
-        <p:spPr>
-          <a:xfrm>
-            <a:off x="7227360" y="6887160"/>
-            <a:ext cx="2348280" cy="521280"/>
-          </a:xfrm>
-          <a:prstGeom prst="rect">
-            <a:avLst/>
-          </a:prstGeom>
-        </p:spPr>
-        <p:txBody>
-          <a:bodyPr lIns="0" rIns="0" tIns="0" bIns="0"/>
-          <a:p>
-            <a:pPr algn="r"/>
-            <a:fld id="{15736C68-ABB8-4DE7-B9E8-0805537ED1E6}" type="slidenum">
-              <a:rPr lang="en-US" sz="1400" spc="-1">
-                <a:latin typeface="Times New Roman"/>
-              </a:rPr>
-              <a:t>&lt;number&gt;</a:t>
-            </a:fld>
-            <a:endParaRPr/>
+            <a:br>
+              <a:rPr lang="en-US" dirty="0" smtClean="0"/>
+            </a:br>
+            <a:endParaRPr lang="en-US" dirty="0"/>
           </a:p>
         </p:txBody>
       </p:sp>
     </p:spTree>
   </p:cSld>
-  <p:clrMap bg1="lt1" bg2="lt2" tx1="dk1" tx2="dk2" accent1="accent1" accent2="accent2" accent3="accent3" accent4="accent4" accent5="accent5" accent6="accent6" hlink="hlink" folHlink="folHlink"/>
-  <p:sldLayoutIdLst>
-    <p:sldLayoutId id="2147483649" r:id="rId2"/>
-    <p:sldLayoutId id="2147483650" r:id="rId3"/>
-    <p:sldLayoutId id="2147483651" r:id="rId4"/>
-    <p:sldLayoutId id="2147483652" r:id="rId5"/>
-    <p:sldLayoutId id="2147483653" r:id="rId6"/>
-    <p:sldLayoutId id="2147483654" r:id="rId7"/>
-    <p:sldLayoutId id="2147483655" r:id="rId8"/>
-    <p:sldLayoutId id="2147483656" r:id="rId9"/>
-    <p:sldLayoutId id="2147483657" r:id="rId10"/>
-    <p:sldLayoutId id="2147483658" r:id="rId11"/>
-    <p:sldLayoutId id="2147483659" r:id="rId12"/>
-    <p:sldLayoutId id="2147483660" r:id="rId13"/>
-  </p:sldLayoutIdLst>
-</p:sldMaster>
+  <p:clrMapOvr>
+    <a:masterClrMapping/>
+  </p:clrMapOvr>
+  <p:timing>
+    <p:tnLst>
+      <p:par>
+        <p:cTn id="1" dur="indefinite" restart="never" nodeType="tmRoot">
+          <p:childTnLst>
+            <p:seq>
+              <p:cTn id="2" nodeType="mainSeq"/>
+              <p:prevCondLst>
+                <p:cond evt="onPrev" delay="0">
+                  <p:tgtEl>
+                    <p:sldTgt/>
+                  </p:tgtEl>
+                </p:cond>
+              </p:prevCondLst>
+              <p:nextCondLst>
+                <p:cond evt="onNext" delay="0">
+                  <p:tgtEl>
+                    <p:sldTgt/>
+                  </p:tgtEl>
+                </p:cond>
+              </p:nextCondLst>
+            </p:seq>
+          </p:childTnLst>
+        </p:cTn>
+      </p:par>
+    </p:tnLst>
+  </p:timing>
+</p:sld>
 </file>
 
-<file path=ppt/slides/slide1.xml><?xml version="1.0" encoding="utf-8"?>
-<p:sld xmlns:a="http://schemas.openxmlformats.org/drawingml/2006/main" xmlns:p="http://schemas.openxmlformats.org/presentationml/2006/main" xmlns:r="http://schemas.openxmlformats.org/officeDocument/2006/relationships">
+<file path=ppt/slides/slide2.xml><?xml version="1.0" encoding="utf-8"?>
+<p:sld xmlns:a="http://schemas.openxmlformats.org/drawingml/2006/main" xmlns:r="http://schemas.openxmlformats.org/officeDocument/2006/relationships" xmlns:p="http://schemas.openxmlformats.org/presentationml/2006/main">
   <p:cSld>
     <p:spTree>
       <p:nvGrpSpPr>
@@ -1494,259 +2201,6 @@
           <a:chExt cx="0" cy="0"/>
         </a:xfrm>
       </p:grpSpPr>
-      <p:sp>
-        <p:nvSpPr>
-          <p:cNvPr id="39" name="TextShape 1"/>
-          <p:cNvSpPr txBox="1"/>
-          <p:nvPr/>
-        </p:nvSpPr>
-        <p:spPr>
-          <a:xfrm>
-            <a:off x="504000" y="-58680"/>
-            <a:ext cx="9071640" cy="1262160"/>
-          </a:xfrm>
-          <a:prstGeom prst="rect">
-            <a:avLst/>
-          </a:prstGeom>
-          <a:noFill/>
-          <a:ln>
-            <a:noFill/>
-          </a:ln>
-        </p:spPr>
-        <p:txBody>
-          <a:bodyPr lIns="0" rIns="0" tIns="0" bIns="0" anchor="ctr"/>
-          <a:p>
-            <a:pPr algn="ctr"/>
-            <a:r>
-              <a:rPr lang="en-US" sz="4400" spc="-1">
-                <a:latin typeface="Arial"/>
-              </a:rPr>
-              <a:t>Homer's Deck</a:t>
-            </a:r>
-            <a:endParaRPr/>
-          </a:p>
-        </p:txBody>
-      </p:sp>
-      <p:sp>
-        <p:nvSpPr>
-          <p:cNvPr id="40" name="TextShape 2"/>
-          <p:cNvSpPr txBox="1"/>
-          <p:nvPr/>
-        </p:nvSpPr>
-        <p:spPr>
-          <a:xfrm>
-            <a:off x="488520" y="1560240"/>
-            <a:ext cx="3449160" cy="1855800"/>
-          </a:xfrm>
-          <a:prstGeom prst="rect">
-            <a:avLst/>
-          </a:prstGeom>
-          <a:noFill/>
-          <a:ln>
-            <a:noFill/>
-          </a:ln>
-        </p:spPr>
-        <p:txBody>
-          <a:bodyPr lIns="0" rIns="0" tIns="0" bIns="0" anchor="ctr"/>
-          <a:p>
-            <a:pPr algn="ctr"/>
-            <a:r>
-              <a:rPr lang="en-US" sz="3200" spc="-1">
-                <a:latin typeface="Arial"/>
-              </a:rPr>
-              <a:t>This is a text box.</a:t>
-            </a:r>
-            <a:endParaRPr/>
-          </a:p>
-        </p:txBody>
-      </p:sp>
-      <p:sp>
-        <p:nvSpPr>
-          <p:cNvPr id="41" name="TextShape 3"/>
-          <p:cNvSpPr txBox="1"/>
-          <p:nvPr/>
-        </p:nvSpPr>
-        <p:spPr>
-          <a:xfrm>
-            <a:off x="438480" y="4491000"/>
-            <a:ext cx="3449160" cy="2158200"/>
-          </a:xfrm>
-          <a:prstGeom prst="rect">
-            <a:avLst/>
-          </a:prstGeom>
-          <a:noFill/>
-          <a:ln>
-            <a:noFill/>
-          </a:ln>
-        </p:spPr>
-        <p:txBody>
-          <a:bodyPr lIns="0" rIns="0" tIns="0" bIns="0" anchor="ctr"/>
-          <a:p>
-            <a:pPr algn="ctr"/>
-            <a:r>
-              <a:rPr lang="en-US" sz="5000" spc="-1">
-                <a:solidFill>
-                  <a:srgbClr val="ff6600"/>
-                </a:solidFill>
-                <a:latin typeface="Courier New"/>
-              </a:rPr>
-              <a:t>Huge red Courier font!</a:t>
-            </a:r>
-            <a:endParaRPr/>
-          </a:p>
-        </p:txBody>
-      </p:sp>
-      <p:sp>
-        <p:nvSpPr>
-          <p:cNvPr id="42" name="TextShape 4"/>
-          <p:cNvSpPr txBox="1"/>
-          <p:nvPr/>
-        </p:nvSpPr>
-        <p:spPr>
-          <a:xfrm>
-            <a:off x="4212000" y="4389120"/>
-            <a:ext cx="5508000" cy="1645920"/>
-          </a:xfrm>
-          <a:prstGeom prst="rect">
-            <a:avLst/>
-          </a:prstGeom>
-          <a:noFill/>
-          <a:ln>
-            <a:noFill/>
-          </a:ln>
-        </p:spPr>
-        <p:txBody>
-          <a:bodyPr lIns="0" rIns="0" tIns="0" bIns="0" anchor="ctr"/>
-          <a:p>
-            <a:pPr algn="ctr"/>
-            <a:r>
-              <a:rPr b="1" lang="en-US" sz="4000" spc="-1">
-                <a:solidFill>
-                  <a:srgbClr val="6666ff"/>
-                </a:solidFill>
-                <a:latin typeface="Arial"/>
-              </a:rPr>
-              <a:t>我是中文！</a:t>
-            </a:r>
-            <a:endParaRPr/>
-          </a:p>
-        </p:txBody>
-      </p:sp>
-      <p:sp>
-        <p:nvSpPr>
-          <p:cNvPr id="43" name="TextShape 5"/>
-          <p:cNvSpPr txBox="1"/>
-          <p:nvPr/>
-        </p:nvSpPr>
-        <p:spPr>
-          <a:xfrm>
-            <a:off x="4406400" y="2259360"/>
-            <a:ext cx="5469120" cy="666720"/>
-          </a:xfrm>
-          <a:prstGeom prst="rect">
-            <a:avLst/>
-          </a:prstGeom>
-          <a:noFill/>
-          <a:ln>
-            <a:noFill/>
-          </a:ln>
-        </p:spPr>
-        <p:txBody>
-          <a:bodyPr lIns="0" rIns="0" tIns="0" bIns="0" anchor="ctr"/>
-          <a:p>
-            <a:pPr algn="ctr"/>
-            <a:r>
-              <a:rPr b="1" lang="en-US" sz="4000" spc="-1">
-                <a:latin typeface="Arial"/>
-              </a:rPr>
-              <a:t>これは日本語である。</a:t>
-            </a:r>
-            <a:endParaRPr/>
-          </a:p>
-        </p:txBody>
-      </p:sp>
-    </p:spTree>
-  </p:cSld>
-  <p:timing>
-    <p:tnLst>
-      <p:par>
-        <p:cTn id="1" dur="indefinite" restart="never" nodeType="tmRoot">
-          <p:childTnLst>
-            <p:seq>
-              <p:cTn id="2" nodeType="mainSeq"/>
-              <p:prevCondLst>
-                <p:cond delay="0" evt="onPrev">
-                  <p:tgtEl>
-                    <p:sldTgt/>
-                  </p:tgtEl>
-                </p:cond>
-              </p:prevCondLst>
-              <p:nextCondLst>
-                <p:cond delay="0" evt="onNext">
-                  <p:tgtEl>
-                    <p:sldTgt/>
-                  </p:tgtEl>
-                </p:cond>
-              </p:nextCondLst>
-            </p:seq>
-          </p:childTnLst>
-        </p:cTn>
-      </p:par>
-    </p:tnLst>
-  </p:timing>
-</p:sld>
-</file>
-
-<file path=ppt/slides/slide2.xml><?xml version="1.0" encoding="utf-8"?>
-<p:sld xmlns:a="http://schemas.openxmlformats.org/drawingml/2006/main" xmlns:p="http://schemas.openxmlformats.org/presentationml/2006/main" xmlns:r="http://schemas.openxmlformats.org/officeDocument/2006/relationships">
-  <p:cSld>
-    <p:spTree>
-      <p:nvGrpSpPr>
-        <p:cNvPr id="1" name=""/>
-        <p:cNvGrpSpPr/>
-        <p:nvPr/>
-      </p:nvGrpSpPr>
-      <p:grpSpPr>
-        <a:xfrm>
-          <a:off x="0" y="0"/>
-          <a:ext cx="0" cy="0"/>
-          <a:chOff x="0" y="0"/>
-          <a:chExt cx="0" cy="0"/>
-        </a:xfrm>
-      </p:grpSpPr>
-      <p:sp>
-        <p:nvSpPr>
-          <p:cNvPr id="44" name="TextShape 1"/>
-          <p:cNvSpPr txBox="1"/>
-          <p:nvPr/>
-        </p:nvSpPr>
-        <p:spPr>
-          <a:xfrm>
-            <a:off x="504000" y="301320"/>
-            <a:ext cx="9071640" cy="1262160"/>
-          </a:xfrm>
-          <a:prstGeom prst="rect">
-            <a:avLst/>
-          </a:prstGeom>
-          <a:noFill/>
-          <a:ln>
-            <a:noFill/>
-          </a:ln>
-        </p:spPr>
-        <p:txBody>
-          <a:bodyPr lIns="0" rIns="0" tIns="0" bIns="0" anchor="ctr"/>
-          <a:p>
-            <a:pPr algn="ctr"/>
-            <a:r>
-              <a:rPr lang="en-US" sz="4400" spc="-1">
-                <a:latin typeface="Arial"/>
-              </a:rPr>
-              <a:t>Slide with Graph</a:t>
-            </a:r>
-            <a:endParaRPr/>
-          </a:p>
-        </p:txBody>
-      </p:sp>
       <p:graphicFrame>
         <p:nvGraphicFramePr>
           <p:cNvPr id="45" name="Table 2"/>
@@ -1755,65 +2209,85 @@
         </p:nvGraphicFramePr>
         <p:xfrm>
           <a:off x="1602000" y="2414520"/>
-          <a:ext cx="6717600" cy="3001680"/>
+          <a:ext cx="7419600" cy="3001680"/>
         </p:xfrm>
         <a:graphic>
           <a:graphicData uri="http://schemas.openxmlformats.org/drawingml/2006/table">
             <a:tbl>
               <a:tblPr/>
               <a:tblGrid>
-                <a:gridCol w="1679040"/>
-                <a:gridCol w="1679040"/>
-                <a:gridCol w="4061520"/>
+                <a:gridCol w="1679040">
+                  <a:extLst>
+                    <a:ext uri="{9D8B030D-6E8A-4147-A177-3AD203B41FA5}">
+                      <a16:colId xmlns:a16="http://schemas.microsoft.com/office/drawing/2014/main" val="20000"/>
+                    </a:ext>
+                  </a:extLst>
+                </a:gridCol>
+                <a:gridCol w="1679040">
+                  <a:extLst>
+                    <a:ext uri="{9D8B030D-6E8A-4147-A177-3AD203B41FA5}">
+                      <a16:colId xmlns:a16="http://schemas.microsoft.com/office/drawing/2014/main" val="20001"/>
+                    </a:ext>
+                  </a:extLst>
+                </a:gridCol>
+                <a:gridCol w="4061520">
+                  <a:extLst>
+                    <a:ext uri="{9D8B030D-6E8A-4147-A177-3AD203B41FA5}">
+                      <a16:colId xmlns:a16="http://schemas.microsoft.com/office/drawing/2014/main" val="20002"/>
+                    </a:ext>
+                  </a:extLst>
+                </a:gridCol>
               </a:tblGrid>
               <a:tr h="1000440">
                 <a:tc>
                   <a:txBody>
-                    <a:bodyPr lIns="90000" rIns="90000" tIns="46800" bIns="46800" anchor="ctr"/>
+                    <a:bodyPr/>
+                    <a:lstStyle/>
                     <a:p>
                       <a:pPr algn="ctr"/>
                       <a:r>
-                        <a:rPr b="1" lang="en-US" sz="1800" spc="-1">
+                        <a:rPr lang="en-US" sz="1800" b="1" spc="-1" dirty="0">
                           <a:latin typeface="Arial"/>
                         </a:rPr>
                         <a:t>Name</a:t>
                       </a:r>
-                      <a:endParaRPr/>
+                      <a:endParaRPr dirty="0"/>
                     </a:p>
                   </a:txBody>
                   <a:tcPr marL="90000" marR="90000">
                     <a:lnL w="720">
                       <a:solidFill>
-                        <a:srgbClr val="ffffff"/>
+                        <a:srgbClr val="FFFFFF"/>
                       </a:solidFill>
                     </a:lnL>
                     <a:lnR w="720">
                       <a:solidFill>
-                        <a:srgbClr val="ffffff"/>
+                        <a:srgbClr val="FFFFFF"/>
                       </a:solidFill>
                     </a:lnR>
                     <a:lnT w="720">
                       <a:solidFill>
-                        <a:srgbClr val="ffffff"/>
+                        <a:srgbClr val="FFFFFF"/>
                       </a:solidFill>
                     </a:lnT>
                     <a:lnB w="720">
                       <a:solidFill>
-                        <a:srgbClr val="ffffff"/>
+                        <a:srgbClr val="FFFFFF"/>
                       </a:solidFill>
                     </a:lnB>
                     <a:solidFill>
-                      <a:srgbClr val="b3b3b3"/>
+                      <a:srgbClr val="B3B3B3"/>
                     </a:solidFill>
                   </a:tcPr>
                 </a:tc>
                 <a:tc>
                   <a:txBody>
-                    <a:bodyPr lIns="90000" rIns="90000" tIns="46800" bIns="46800" anchor="ctr"/>
+                    <a:bodyPr/>
+                    <a:lstStyle/>
                     <a:p>
                       <a:pPr algn="ctr"/>
                       <a:r>
-                        <a:rPr b="1" lang="en-US" sz="1800" spc="-1">
+                        <a:rPr lang="en-US" sz="1800" b="1" spc="-1">
                           <a:latin typeface="Arial"/>
                         </a:rPr>
                         <a:t>Lifespan</a:t>
@@ -1824,36 +2298,37 @@
                   <a:tcPr marL="90000" marR="90000">
                     <a:lnL w="720">
                       <a:solidFill>
-                        <a:srgbClr val="ffffff"/>
+                        <a:srgbClr val="FFFFFF"/>
                       </a:solidFill>
                     </a:lnL>
                     <a:lnR w="720">
                       <a:solidFill>
-                        <a:srgbClr val="ffffff"/>
+                        <a:srgbClr val="FFFFFF"/>
                       </a:solidFill>
                     </a:lnR>
                     <a:lnT w="720">
                       <a:solidFill>
-                        <a:srgbClr val="ffffff"/>
+                        <a:srgbClr val="FFFFFF"/>
                       </a:solidFill>
                     </a:lnT>
                     <a:lnB w="720">
                       <a:solidFill>
-                        <a:srgbClr val="ffffff"/>
+                        <a:srgbClr val="FFFFFF"/>
                       </a:solidFill>
                     </a:lnB>
                     <a:solidFill>
-                      <a:srgbClr val="b3b3b3"/>
+                      <a:srgbClr val="B3B3B3"/>
                     </a:solidFill>
                   </a:tcPr>
                 </a:tc>
                 <a:tc>
                   <a:txBody>
-                    <a:bodyPr lIns="90000" rIns="90000" tIns="46800" bIns="46800" anchor="ctr"/>
+                    <a:bodyPr/>
+                    <a:lstStyle/>
                     <a:p>
                       <a:pPr algn="ctr"/>
                       <a:r>
-                        <a:rPr b="1" lang="en-US" sz="1800" spc="-1">
+                        <a:rPr lang="en-US" sz="1800" b="1" spc="-1">
                           <a:latin typeface="Arial"/>
                         </a:rPr>
                         <a:t>Masterpiece</a:t>
@@ -1864,73 +2339,80 @@
                   <a:tcPr marL="90000" marR="90000">
                     <a:lnL w="720">
                       <a:solidFill>
-                        <a:srgbClr val="ffffff"/>
+                        <a:srgbClr val="FFFFFF"/>
                       </a:solidFill>
                     </a:lnL>
                     <a:lnR w="720">
                       <a:solidFill>
-                        <a:srgbClr val="ffffff"/>
+                        <a:srgbClr val="FFFFFF"/>
                       </a:solidFill>
                     </a:lnR>
                     <a:lnT w="720">
                       <a:solidFill>
-                        <a:srgbClr val="ffffff"/>
+                        <a:srgbClr val="FFFFFF"/>
                       </a:solidFill>
                     </a:lnT>
                     <a:lnB w="720">
                       <a:solidFill>
-                        <a:srgbClr val="ffffff"/>
+                        <a:srgbClr val="FFFFFF"/>
                       </a:solidFill>
                     </a:lnB>
                     <a:solidFill>
-                      <a:srgbClr val="b3b3b3"/>
+                      <a:srgbClr val="B3B3B3"/>
                     </a:solidFill>
                   </a:tcPr>
                 </a:tc>
+                <a:extLst>
+                  <a:ext uri="{0D108BD9-81ED-4DB2-BD59-A6C34878D82A}">
+                    <a16:rowId xmlns:a16="http://schemas.microsoft.com/office/drawing/2014/main" val="10000"/>
+                  </a:ext>
+                </a:extLst>
               </a:tr>
               <a:tr h="1000440">
                 <a:tc>
                   <a:txBody>
-                    <a:bodyPr lIns="90000" rIns="90000" tIns="46800" bIns="46800"/>
+                    <a:bodyPr/>
+                    <a:lstStyle/>
                     <a:p>
                       <a:r>
-                        <a:rPr lang="en-US" sz="1800" spc="-1">
+                        <a:rPr lang="en-US" sz="1800" spc="-1" dirty="0">
                           <a:latin typeface="Arial"/>
                         </a:rPr>
                         <a:t>Bach</a:t>
                       </a:r>
-                      <a:endParaRPr/>
+                      <a:endParaRPr dirty="0"/>
                     </a:p>
                   </a:txBody>
                   <a:tcPr marL="90000" marR="90000">
                     <a:lnL w="720">
                       <a:solidFill>
-                        <a:srgbClr val="ffffff"/>
+                        <a:srgbClr val="FFFFFF"/>
                       </a:solidFill>
                     </a:lnL>
                     <a:lnR w="720">
                       <a:solidFill>
-                        <a:srgbClr val="ffffff"/>
+                        <a:srgbClr val="FFFFFF"/>
                       </a:solidFill>
                     </a:lnR>
                     <a:lnT w="720">
                       <a:solidFill>
-                        <a:srgbClr val="ffffff"/>
+                        <a:srgbClr val="FFFFFF"/>
                       </a:solidFill>
                     </a:lnT>
                     <a:lnB w="720">
                       <a:solidFill>
-                        <a:srgbClr val="ffffff"/>
+                        <a:srgbClr val="FFFFFF"/>
                       </a:solidFill>
                     </a:lnB>
                     <a:solidFill>
-                      <a:srgbClr val="cccccc"/>
+                      <a:srgbClr val="CCCCCC"/>
                     </a:solidFill>
                   </a:tcPr>
                 </a:tc>
                 <a:tc>
                   <a:txBody>
-                    <a:bodyPr lIns="90000" rIns="90000" tIns="46800" bIns="46800"/>
+                    <a:bodyPr/>
+                    <a:lstStyle/>
                     <a:p>
                       <a:r>
                         <a:rPr lang="en-US" sz="1800" spc="-1">
@@ -1944,32 +2426,33 @@
                   <a:tcPr marL="90000" marR="90000">
                     <a:lnL w="720">
                       <a:solidFill>
-                        <a:srgbClr val="ffffff"/>
+                        <a:srgbClr val="FFFFFF"/>
                       </a:solidFill>
                     </a:lnL>
                     <a:lnR w="720">
                       <a:solidFill>
-                        <a:srgbClr val="ffffff"/>
+                        <a:srgbClr val="FFFFFF"/>
                       </a:solidFill>
                     </a:lnR>
                     <a:lnT w="720">
                       <a:solidFill>
-                        <a:srgbClr val="ffffff"/>
+                        <a:srgbClr val="FFFFFF"/>
                       </a:solidFill>
                     </a:lnT>
                     <a:lnB w="720">
                       <a:solidFill>
-                        <a:srgbClr val="ffffff"/>
+                        <a:srgbClr val="FFFFFF"/>
                       </a:solidFill>
                     </a:lnB>
                     <a:solidFill>
-                      <a:srgbClr val="cccccc"/>
+                      <a:srgbClr val="CCCCCC"/>
                     </a:solidFill>
                   </a:tcPr>
                 </a:tc>
                 <a:tc>
                   <a:txBody>
-                    <a:bodyPr lIns="90000" rIns="90000" tIns="46800" bIns="46800"/>
+                    <a:bodyPr/>
+                    <a:lstStyle/>
                     <a:p>
                       <a:r>
                         <a:rPr lang="en-US" sz="1800" spc="-1">
@@ -1978,7 +2461,7 @@
                         <a:t>BWV 140, </a:t>
                       </a:r>
                       <a:r>
-                        <a:rPr i="1" lang="en-US" sz="1800" spc="-1">
+                        <a:rPr lang="en-US" sz="1800" i="1" spc="-1">
                           <a:latin typeface="Arial"/>
                         </a:rPr>
                         <a:t>Wachet auf, ruft uns die Stimme</a:t>
@@ -1989,73 +2472,80 @@
                   <a:tcPr marL="90000" marR="90000">
                     <a:lnL w="720">
                       <a:solidFill>
-                        <a:srgbClr val="ffffff"/>
+                        <a:srgbClr val="FFFFFF"/>
                       </a:solidFill>
                     </a:lnL>
                     <a:lnR w="720">
                       <a:solidFill>
-                        <a:srgbClr val="ffffff"/>
+                        <a:srgbClr val="FFFFFF"/>
                       </a:solidFill>
                     </a:lnR>
                     <a:lnT w="720">
                       <a:solidFill>
-                        <a:srgbClr val="ffffff"/>
+                        <a:srgbClr val="FFFFFF"/>
                       </a:solidFill>
                     </a:lnT>
                     <a:lnB w="720">
                       <a:solidFill>
-                        <a:srgbClr val="ffffff"/>
+                        <a:srgbClr val="FFFFFF"/>
                       </a:solidFill>
                     </a:lnB>
                     <a:solidFill>
-                      <a:srgbClr val="cccccc"/>
+                      <a:srgbClr val="CCCCCC"/>
                     </a:solidFill>
                   </a:tcPr>
                 </a:tc>
+                <a:extLst>
+                  <a:ext uri="{0D108BD9-81ED-4DB2-BD59-A6C34878D82A}">
+                    <a16:rowId xmlns:a16="http://schemas.microsoft.com/office/drawing/2014/main" val="10001"/>
+                  </a:ext>
+                </a:extLst>
               </a:tr>
               <a:tr h="1000800">
                 <a:tc>
                   <a:txBody>
-                    <a:bodyPr lIns="90000" rIns="90000" tIns="46800" bIns="46800"/>
+                    <a:bodyPr/>
+                    <a:lstStyle/>
                     <a:p>
                       <a:r>
-                        <a:rPr lang="en-US" sz="1800" spc="-1">
+                        <a:rPr lang="en-US" sz="1800" spc="-1" dirty="0">
                           <a:latin typeface="Arial"/>
                         </a:rPr>
                         <a:t>Mozart</a:t>
                       </a:r>
-                      <a:endParaRPr/>
+                      <a:endParaRPr dirty="0"/>
                     </a:p>
                   </a:txBody>
                   <a:tcPr marL="90000" marR="90000">
                     <a:lnL w="720">
                       <a:solidFill>
-                        <a:srgbClr val="ffffff"/>
+                        <a:srgbClr val="FFFFFF"/>
                       </a:solidFill>
                     </a:lnL>
                     <a:lnR w="720">
                       <a:solidFill>
-                        <a:srgbClr val="ffffff"/>
+                        <a:srgbClr val="FFFFFF"/>
                       </a:solidFill>
                     </a:lnR>
                     <a:lnT w="720">
                       <a:solidFill>
-                        <a:srgbClr val="ffffff"/>
+                        <a:srgbClr val="FFFFFF"/>
                       </a:solidFill>
                     </a:lnT>
                     <a:lnB w="720">
                       <a:solidFill>
-                        <a:srgbClr val="ffffff"/>
+                        <a:srgbClr val="FFFFFF"/>
                       </a:solidFill>
                     </a:lnB>
                     <a:solidFill>
-                      <a:srgbClr val="e6e6e6"/>
+                      <a:srgbClr val="E6E6E6"/>
                     </a:solidFill>
                   </a:tcPr>
                 </a:tc>
                 <a:tc>
                   <a:txBody>
-                    <a:bodyPr lIns="90000" rIns="90000" tIns="46800" bIns="46800"/>
+                    <a:bodyPr/>
+                    <a:lstStyle/>
                     <a:p>
                       <a:r>
                         <a:rPr lang="en-US" sz="1800" spc="-1">
@@ -2069,97 +2559,130 @@
                   <a:tcPr marL="90000" marR="90000">
                     <a:lnL w="720">
                       <a:solidFill>
-                        <a:srgbClr val="ffffff"/>
+                        <a:srgbClr val="FFFFFF"/>
                       </a:solidFill>
                     </a:lnL>
                     <a:lnR w="720">
                       <a:solidFill>
-                        <a:srgbClr val="ffffff"/>
+                        <a:srgbClr val="FFFFFF"/>
                       </a:solidFill>
                     </a:lnR>
                     <a:lnT w="720">
                       <a:solidFill>
-                        <a:srgbClr val="ffffff"/>
+                        <a:srgbClr val="FFFFFF"/>
                       </a:solidFill>
                     </a:lnT>
                     <a:lnB w="720">
                       <a:solidFill>
-                        <a:srgbClr val="ffffff"/>
+                        <a:srgbClr val="FFFFFF"/>
                       </a:solidFill>
                     </a:lnB>
                     <a:solidFill>
-                      <a:srgbClr val="e6e6e6"/>
+                      <a:srgbClr val="E6E6E6"/>
                     </a:solidFill>
                   </a:tcPr>
                 </a:tc>
                 <a:tc>
                   <a:txBody>
-                    <a:bodyPr lIns="90000" rIns="90000" tIns="46800" bIns="46800"/>
+                    <a:bodyPr/>
+                    <a:lstStyle/>
                     <a:p>
                       <a:r>
-                        <a:rPr lang="en-US" sz="1800" spc="-1">
+                        <a:rPr lang="en-US" sz="1800" spc="-1" dirty="0">
                           <a:latin typeface="Arial"/>
                         </a:rPr>
                         <a:t>K. 452, </a:t>
                       </a:r>
                       <a:r>
-                        <a:rPr i="1" lang="en-US" sz="1800" spc="-1">
+                        <a:rPr lang="en-US" sz="1800" i="1" spc="-1" dirty="0">
                           <a:latin typeface="Arial"/>
                         </a:rPr>
                         <a:t>Quintet in E flat Major for Piano, Winds and Brass</a:t>
                       </a:r>
-                      <a:endParaRPr/>
+                      <a:endParaRPr dirty="0"/>
                     </a:p>
                   </a:txBody>
                   <a:tcPr marL="90000" marR="90000">
                     <a:lnL w="720">
                       <a:solidFill>
-                        <a:srgbClr val="ffffff"/>
+                        <a:srgbClr val="FFFFFF"/>
                       </a:solidFill>
                     </a:lnL>
                     <a:lnR w="720">
                       <a:solidFill>
-                        <a:srgbClr val="ffffff"/>
+                        <a:srgbClr val="FFFFFF"/>
                       </a:solidFill>
                     </a:lnR>
                     <a:lnT w="720">
                       <a:solidFill>
-                        <a:srgbClr val="ffffff"/>
+                        <a:srgbClr val="FFFFFF"/>
                       </a:solidFill>
                     </a:lnT>
                     <a:lnB w="720">
                       <a:solidFill>
-                        <a:srgbClr val="ffffff"/>
+                        <a:srgbClr val="FFFFFF"/>
                       </a:solidFill>
                     </a:lnB>
                     <a:solidFill>
-                      <a:srgbClr val="e6e6e6"/>
+                      <a:srgbClr val="E6E6E6"/>
                     </a:solidFill>
                   </a:tcPr>
                 </a:tc>
+                <a:extLst>
+                  <a:ext uri="{0D108BD9-81ED-4DB2-BD59-A6C34878D82A}">
+                    <a16:rowId xmlns:a16="http://schemas.microsoft.com/office/drawing/2014/main" val="10002"/>
+                  </a:ext>
+                </a:extLst>
               </a:tr>
             </a:tbl>
           </a:graphicData>
         </a:graphic>
       </p:graphicFrame>
+      <p:sp>
+        <p:nvSpPr>
+          <p:cNvPr id="2" name="Title 1"/>
+          <p:cNvSpPr>
+            <a:spLocks noGrp="1"/>
+          </p:cNvSpPr>
+          <p:nvPr>
+            <p:ph type="title"/>
+          </p:nvPr>
+        </p:nvSpPr>
+        <p:spPr/>
+        <p:txBody>
+          <a:bodyPr/>
+          <a:lstStyle/>
+          <a:p>
+            <a:pPr algn="ctr"/>
+            <a:r>
+              <a:rPr lang="en-US" dirty="0" smtClean="0"/>
+              <a:t>Slide with graph</a:t>
+            </a:r>
+            <a:endParaRPr lang="en-US" dirty="0"/>
+          </a:p>
+        </p:txBody>
+      </p:sp>
     </p:spTree>
   </p:cSld>
+  <p:clrMapOvr>
+    <a:masterClrMapping/>
+  </p:clrMapOvr>
   <p:timing>
     <p:tnLst>
       <p:par>
-        <p:cTn id="3" dur="indefinite" restart="never" nodeType="tmRoot">
+        <p:cTn id="1" dur="indefinite" restart="never" nodeType="tmRoot">
           <p:childTnLst>
             <p:seq>
-              <p:cTn id="4" nodeType="mainSeq"/>
+              <p:cTn id="2" nodeType="mainSeq"/>
               <p:prevCondLst>
-                <p:cond delay="0" evt="onPrev">
+                <p:cond evt="onPrev" delay="0">
                   <p:tgtEl>
                     <p:sldTgt/>
                   </p:tgtEl>
                 </p:cond>
               </p:prevCondLst>
               <p:nextCondLst>
-                <p:cond delay="0" evt="onNext">
+                <p:cond evt="onNext" delay="0">
                   <p:tgtEl>
                     <p:sldTgt/>
                   </p:tgtEl>
@@ -2394,5 +2917,7 @@
       </a:bgFillStyleLst>
     </a:fmtScheme>
   </a:themeElements>
+  <a:objectDefaults/>
+  <a:extraClrSchemeLst/>
 </a:theme>
 </file>
--- a/example/MyDeck.pptx
+++ b/example/MyDeck.pptx
@@ -2000,12 +2000,12 @@
           <a:p>
             <a:pPr algn="ctr"/>
             <a:r>
-              <a:rPr lang="en-US" sz="3200" spc="-1">
+              <a:rPr lang="en-US" sz="3200" spc="-1" dirty="0">
                 <a:latin typeface="Arial"/>
               </a:rPr>
               <a:t>This is a text box.</a:t>
             </a:r>
-            <a:endParaRPr/>
+            <a:endParaRPr dirty="0"/>
           </a:p>
         </p:txBody>
       </p:sp>
@@ -2018,7 +2018,7 @@
         <p:spPr>
           <a:xfrm>
             <a:off x="438480" y="4491000"/>
-            <a:ext cx="3449160" cy="2158200"/>
+            <a:ext cx="3967920" cy="2158200"/>
           </a:xfrm>
           <a:prstGeom prst="rect">
             <a:avLst/>
@@ -2034,15 +2034,36 @@
           <a:p>
             <a:pPr algn="ctr"/>
             <a:r>
-              <a:rPr lang="en-US" sz="5000" spc="-1">
+              <a:rPr lang="en-US" sz="5000" spc="-1" dirty="0">
                 <a:solidFill>
                   <a:srgbClr val="FF6600"/>
                 </a:solidFill>
                 <a:latin typeface="Courier New"/>
               </a:rPr>
-              <a:t>Huge red Courier font!</a:t>
+              <a:t>Huge red Courier </a:t>
             </a:r>
-            <a:endParaRPr/>
+            <a:r>
+              <a:rPr lang="en-US" sz="5000" spc="-1" dirty="0" smtClean="0">
+                <a:solidFill>
+                  <a:srgbClr val="FF6600"/>
+                </a:solidFill>
+                <a:latin typeface="Courier New"/>
+              </a:rPr>
+              <a:t>font </a:t>
+            </a:r>
+            <a:r>
+              <a:rPr lang="en-US" sz="5000" i="1" spc="-1" dirty="0" smtClean="0">
+                <a:solidFill>
+                  <a:schemeClr val="accent5"/>
+                </a:solidFill>
+                <a:latin typeface="Comic Sans MS" panose="030F0702030302020204" pitchFamily="66" charset="0"/>
+              </a:rPr>
+              <a:t>and comic italics</a:t>
+            </a:r>
+          </a:p>
+          <a:p>
+            <a:pPr algn="ctr"/>
+            <a:endParaRPr dirty="0"/>
           </a:p>
         </p:txBody>
       </p:sp>
@@ -2658,6 +2679,25 @@
               <a:rPr lang="en-US" dirty="0" smtClean="0"/>
               <a:t>Slide with graph</a:t>
             </a:r>
+            <a:endParaRPr lang="en-US" dirty="0"/>
+          </a:p>
+        </p:txBody>
+      </p:sp>
+      <p:sp>
+        <p:nvSpPr>
+          <p:cNvPr id="3" name="Subtitle 2"/>
+          <p:cNvSpPr>
+            <a:spLocks noGrp="1"/>
+          </p:cNvSpPr>
+          <p:nvPr>
+            <p:ph type="subTitle"/>
+          </p:nvPr>
+        </p:nvSpPr>
+        <p:spPr/>
+        <p:txBody>
+          <a:bodyPr/>
+          <a:lstStyle/>
+          <a:p>
             <a:endParaRPr lang="en-US" dirty="0"/>
           </a:p>
         </p:txBody>
